--- a/presentations/Session_7_SC_Discovery_LB.pptx
+++ b/presentations/Session_7_SC_Discovery_LB.pptx
@@ -8,10 +8,10 @@
     <p:sldMasterId id="2147483724" r:id="rId4"/>
   </p:sldMasterIdLst>
   <p:notesMasterIdLst>
-    <p:notesMasterId r:id="rId17"/>
+    <p:notesMasterId r:id="rId15"/>
   </p:notesMasterIdLst>
   <p:handoutMasterIdLst>
-    <p:handoutMasterId r:id="rId18"/>
+    <p:handoutMasterId r:id="rId16"/>
   </p:handoutMasterIdLst>
   <p:sldIdLst>
     <p:sldId id="353" r:id="rId5"/>
@@ -23,9 +23,7 @@
     <p:sldId id="364" r:id="rId11"/>
     <p:sldId id="361" r:id="rId12"/>
     <p:sldId id="365" r:id="rId13"/>
-    <p:sldId id="366" r:id="rId14"/>
-    <p:sldId id="368" r:id="rId15"/>
-    <p:sldId id="367" r:id="rId16"/>
+    <p:sldId id="367" r:id="rId14"/>
   </p:sldIdLst>
   <p:sldSz cx="9144000" cy="5143500" type="screen16x9"/>
   <p:notesSz cx="6858000" cy="9144000"/>
@@ -138,12 +136,24 @@
             <p14:sldId id="364"/>
             <p14:sldId id="361"/>
             <p14:sldId id="365"/>
-            <p14:sldId id="366"/>
-            <p14:sldId id="368"/>
             <p14:sldId id="367"/>
           </p14:sldIdLst>
         </p14:section>
       </p14:sectionLst>
+    </p:ext>
+    <p:ext uri="{EFAFB233-063F-42B5-8137-9DF3F51BA10A}">
+      <p15:sldGuideLst xmlns:p15="http://schemas.microsoft.com/office/powerpoint/2012/main">
+        <p15:guide id="1" orient="horz" pos="1620">
+          <p15:clr>
+            <a:srgbClr val="A4A3A4"/>
+          </p15:clr>
+        </p15:guide>
+        <p15:guide id="2" pos="2880">
+          <p15:clr>
+            <a:srgbClr val="A4A3A4"/>
+          </p15:clr>
+        </p15:guide>
+      </p15:sldGuideLst>
     </p:ext>
   </p:extLst>
 </p:presentation>
@@ -231,7 +241,7 @@
           <a:p>
             <a:fld id="{372E5B6B-8713-8747-AE5B-F1241B2BF5F0}" type="datetimeFigureOut">
               <a:rPr lang="en-US" smtClean="0"/>
-              <a:t>11/1/17</a:t>
+              <a:t>7/14/21</a:t>
             </a:fld>
             <a:endParaRPr lang="en-US"/>
           </a:p>
@@ -397,7 +407,7 @@
           <a:p>
             <a:fld id="{7E7B7340-DDD5-1B49-81AA-25BC4050C073}" type="datetimeFigureOut">
               <a:rPr lang="en-US" smtClean="0"/>
-              <a:t>11/1/17</a:t>
+              <a:t>7/14/21</a:t>
             </a:fld>
             <a:endParaRPr lang="en-US"/>
           </a:p>
@@ -461,38 +471,37 @@
           <a:p>
             <a:pPr lvl="0"/>
             <a:r>
-              <a:rPr lang="en-US" smtClean="0"/>
+              <a:rPr lang="en-US"/>
               <a:t>Click to edit Master text styles</a:t>
             </a:r>
           </a:p>
           <a:p>
             <a:pPr lvl="1"/>
             <a:r>
-              <a:rPr lang="en-US" smtClean="0"/>
+              <a:rPr lang="en-US"/>
               <a:t>Second level</a:t>
             </a:r>
           </a:p>
           <a:p>
             <a:pPr lvl="2"/>
             <a:r>
-              <a:rPr lang="en-US" smtClean="0"/>
+              <a:rPr lang="en-US"/>
               <a:t>Third level</a:t>
             </a:r>
           </a:p>
           <a:p>
             <a:pPr lvl="3"/>
             <a:r>
-              <a:rPr lang="en-US" smtClean="0"/>
+              <a:rPr lang="en-US"/>
               <a:t>Fourth level</a:t>
             </a:r>
           </a:p>
           <a:p>
             <a:pPr lvl="4"/>
             <a:r>
-              <a:rPr lang="en-US" smtClean="0"/>
+              <a:rPr lang="en-US"/>
               <a:t>Fifth level</a:t>
             </a:r>
-            <a:endParaRPr lang="en-US"/>
           </a:p>
         </p:txBody>
       </p:sp>
@@ -711,11 +720,11 @@
           <a:lstStyle/>
           <a:p>
             <a:r>
-              <a:rPr lang="en-US" dirty="0" smtClean="0"/>
+              <a:rPr lang="en-US" dirty="0"/>
               <a:t>Resting slide</a:t>
             </a:r>
             <a:r>
-              <a:rPr lang="en-US" baseline="0" dirty="0" smtClean="0"/>
+              <a:rPr lang="en-US" baseline="0" dirty="0"/>
               <a:t> on screen before you begin presenting.</a:t>
             </a:r>
             <a:endParaRPr lang="en-US" dirty="0"/>
@@ -759,174 +768,6 @@
 </file>
 
 <file path=ppt/notesSlides/notesSlide10.xml><?xml version="1.0" encoding="utf-8"?>
-<p:notes xmlns:a="http://schemas.openxmlformats.org/drawingml/2006/main" xmlns:r="http://schemas.openxmlformats.org/officeDocument/2006/relationships" xmlns:p="http://schemas.openxmlformats.org/presentationml/2006/main">
-  <p:cSld>
-    <p:spTree>
-      <p:nvGrpSpPr>
-        <p:cNvPr id="1" name=""/>
-        <p:cNvGrpSpPr/>
-        <p:nvPr/>
-      </p:nvGrpSpPr>
-      <p:grpSpPr>
-        <a:xfrm>
-          <a:off x="0" y="0"/>
-          <a:ext cx="0" cy="0"/>
-          <a:chOff x="0" y="0"/>
-          <a:chExt cx="0" cy="0"/>
-        </a:xfrm>
-      </p:grpSpPr>
-      <p:sp>
-        <p:nvSpPr>
-          <p:cNvPr id="2" name="Slide Image Placeholder 1"/>
-          <p:cNvSpPr>
-            <a:spLocks noGrp="1" noRot="1" noChangeAspect="1"/>
-          </p:cNvSpPr>
-          <p:nvPr>
-            <p:ph type="sldImg"/>
-          </p:nvPr>
-        </p:nvSpPr>
-        <p:spPr/>
-      </p:sp>
-      <p:sp>
-        <p:nvSpPr>
-          <p:cNvPr id="3" name="Notes Placeholder 2"/>
-          <p:cNvSpPr>
-            <a:spLocks noGrp="1"/>
-          </p:cNvSpPr>
-          <p:nvPr>
-            <p:ph type="body" idx="1"/>
-          </p:nvPr>
-        </p:nvSpPr>
-        <p:spPr/>
-        <p:txBody>
-          <a:bodyPr/>
-          <a:lstStyle/>
-          <a:p>
-            <a:endParaRPr lang="en-US" dirty="0"/>
-          </a:p>
-        </p:txBody>
-      </p:sp>
-      <p:sp>
-        <p:nvSpPr>
-          <p:cNvPr id="4" name="Slide Number Placeholder 3"/>
-          <p:cNvSpPr>
-            <a:spLocks noGrp="1"/>
-          </p:cNvSpPr>
-          <p:nvPr>
-            <p:ph type="sldNum" sz="quarter" idx="10"/>
-          </p:nvPr>
-        </p:nvSpPr>
-        <p:spPr/>
-        <p:txBody>
-          <a:bodyPr/>
-          <a:lstStyle/>
-          <a:p>
-            <a:fld id="{19B87A38-3CEC-41F8-9B8A-7D549F200228}" type="slidenum">
-              <a:rPr lang="en-US" smtClean="0"/>
-              <a:t>10</a:t>
-            </a:fld>
-            <a:endParaRPr lang="en-US"/>
-          </a:p>
-        </p:txBody>
-      </p:sp>
-    </p:spTree>
-    <p:extLst>
-      <p:ext uri="{BB962C8B-B14F-4D97-AF65-F5344CB8AC3E}">
-        <p14:creationId xmlns:p14="http://schemas.microsoft.com/office/powerpoint/2010/main" val="2014211017"/>
-      </p:ext>
-    </p:extLst>
-  </p:cSld>
-  <p:clrMapOvr>
-    <a:masterClrMapping/>
-  </p:clrMapOvr>
-</p:notes>
-</file>
-
-<file path=ppt/notesSlides/notesSlide11.xml><?xml version="1.0" encoding="utf-8"?>
-<p:notes xmlns:a="http://schemas.openxmlformats.org/drawingml/2006/main" xmlns:r="http://schemas.openxmlformats.org/officeDocument/2006/relationships" xmlns:p="http://schemas.openxmlformats.org/presentationml/2006/main">
-  <p:cSld>
-    <p:spTree>
-      <p:nvGrpSpPr>
-        <p:cNvPr id="1" name=""/>
-        <p:cNvGrpSpPr/>
-        <p:nvPr/>
-      </p:nvGrpSpPr>
-      <p:grpSpPr>
-        <a:xfrm>
-          <a:off x="0" y="0"/>
-          <a:ext cx="0" cy="0"/>
-          <a:chOff x="0" y="0"/>
-          <a:chExt cx="0" cy="0"/>
-        </a:xfrm>
-      </p:grpSpPr>
-      <p:sp>
-        <p:nvSpPr>
-          <p:cNvPr id="2" name="Slide Image Placeholder 1"/>
-          <p:cNvSpPr>
-            <a:spLocks noGrp="1" noRot="1" noChangeAspect="1"/>
-          </p:cNvSpPr>
-          <p:nvPr>
-            <p:ph type="sldImg"/>
-          </p:nvPr>
-        </p:nvSpPr>
-        <p:spPr/>
-      </p:sp>
-      <p:sp>
-        <p:nvSpPr>
-          <p:cNvPr id="3" name="Notes Placeholder 2"/>
-          <p:cNvSpPr>
-            <a:spLocks noGrp="1"/>
-          </p:cNvSpPr>
-          <p:nvPr>
-            <p:ph type="body" idx="1"/>
-          </p:nvPr>
-        </p:nvSpPr>
-        <p:spPr/>
-        <p:txBody>
-          <a:bodyPr/>
-          <a:lstStyle/>
-          <a:p>
-            <a:endParaRPr lang="en-US" dirty="0"/>
-          </a:p>
-        </p:txBody>
-      </p:sp>
-      <p:sp>
-        <p:nvSpPr>
-          <p:cNvPr id="4" name="Slide Number Placeholder 3"/>
-          <p:cNvSpPr>
-            <a:spLocks noGrp="1"/>
-          </p:cNvSpPr>
-          <p:nvPr>
-            <p:ph type="sldNum" sz="quarter" idx="10"/>
-          </p:nvPr>
-        </p:nvSpPr>
-        <p:spPr/>
-        <p:txBody>
-          <a:bodyPr/>
-          <a:lstStyle/>
-          <a:p>
-            <a:fld id="{19B87A38-3CEC-41F8-9B8A-7D549F200228}" type="slidenum">
-              <a:rPr lang="en-US" smtClean="0"/>
-              <a:t>11</a:t>
-            </a:fld>
-            <a:endParaRPr lang="en-US"/>
-          </a:p>
-        </p:txBody>
-      </p:sp>
-    </p:spTree>
-    <p:extLst>
-      <p:ext uri="{BB962C8B-B14F-4D97-AF65-F5344CB8AC3E}">
-        <p14:creationId xmlns:p14="http://schemas.microsoft.com/office/powerpoint/2010/main" val="1485285142"/>
-      </p:ext>
-    </p:extLst>
-  </p:cSld>
-  <p:clrMapOvr>
-    <a:masterClrMapping/>
-  </p:clrMapOvr>
-</p:notes>
-</file>
-
-<file path=ppt/notesSlides/notesSlide12.xml><?xml version="1.0" encoding="utf-8"?>
 <p:notes xmlns:a="http://schemas.openxmlformats.org/drawingml/2006/main" xmlns:r="http://schemas.openxmlformats.org/officeDocument/2006/relationships" xmlns:p="http://schemas.openxmlformats.org/presentationml/2006/main">
   <p:cSld>
     <p:spTree>
@@ -1039,22 +880,21 @@
           <a:lstStyle/>
           <a:p>
             <a:r>
-              <a:rPr lang="en-US" dirty="0" smtClean="0"/>
+              <a:rPr lang="en-US" dirty="0"/>
               <a:t>Service Discovery is one of the key tenets of a microservice based architecture.</a:t>
             </a:r>
           </a:p>
           <a:p>
             <a:r>
-              <a:rPr lang="en-US" dirty="0" smtClean="0"/>
+              <a:rPr lang="en-US" dirty="0"/>
               <a:t>In distributed systems, application dependencies cease to be a method call away.</a:t>
             </a:r>
           </a:p>
           <a:p>
             <a:r>
-              <a:rPr lang="en-US" dirty="0" smtClean="0"/>
+              <a:rPr lang="en-US" dirty="0"/>
               <a:t>Trying to hand configure each client or use some form of convention can be very difficult to do and can be very brittle.</a:t>
             </a:r>
-            <a:endParaRPr lang="en-US" dirty="0"/>
           </a:p>
         </p:txBody>
       </p:sp>
@@ -1139,16 +979,15 @@
           <a:lstStyle/>
           <a:p>
             <a:r>
-              <a:rPr lang="en-US" dirty="0" smtClean="0"/>
+              <a:rPr lang="en-US" dirty="0"/>
               <a:t>Service instances in the registry all have to send heartbeats to keep their registrations up to date</a:t>
             </a:r>
           </a:p>
           <a:p>
             <a:r>
-              <a:rPr lang="en-US" dirty="0" smtClean="0"/>
+              <a:rPr lang="en-US" dirty="0"/>
               <a:t>Clients also have an in-memory cache of eureka registrations (so they don’t have to go to the registry for every single request to a service)</a:t>
             </a:r>
-            <a:endParaRPr lang="en-US" dirty="0"/>
           </a:p>
         </p:txBody>
       </p:sp>
@@ -1401,7 +1240,7 @@
           <a:lstStyle/>
           <a:p>
             <a:r>
-              <a:rPr lang="en-US" sz="1200" b="1" kern="1200" dirty="0" smtClean="0">
+              <a:rPr lang="en-US" sz="1200" b="1" kern="1200" dirty="0">
                 <a:solidFill>
                   <a:schemeClr val="tx1"/>
                 </a:solidFill>
@@ -1413,7 +1252,7 @@
               <a:t>The server is easily embeddable in a Spring Boot application using </a:t>
             </a:r>
             <a:r>
-              <a:rPr lang="en-US" sz="1200" b="1" kern="1200" dirty="0" err="1" smtClean="0">
+              <a:rPr lang="en-US" sz="1200" b="1" kern="1200" dirty="0" err="1">
                 <a:solidFill>
                   <a:schemeClr val="tx1"/>
                 </a:solidFill>
@@ -1425,7 +1264,7 @@
               <a:t>the@EnableConfigServer</a:t>
             </a:r>
             <a:r>
-              <a:rPr lang="en-US" sz="1200" b="1" kern="1200" dirty="0" smtClean="0">
+              <a:rPr lang="en-US" sz="1200" b="1" kern="1200" dirty="0">
                 <a:solidFill>
                   <a:schemeClr val="tx1"/>
                 </a:solidFill>
@@ -1436,7 +1275,7 @@
               </a:rPr>
               <a:t> annotation.</a:t>
             </a:r>
-            <a:endParaRPr lang="en-US" sz="1200" kern="1200" dirty="0" smtClean="0">
+            <a:endParaRPr lang="en-US" sz="1200" kern="1200" dirty="0">
               <a:solidFill>
                 <a:schemeClr val="tx1"/>
               </a:solidFill>
@@ -1447,12 +1286,12 @@
             </a:endParaRPr>
           </a:p>
           <a:p>
-            <a:endParaRPr lang="en-US" dirty="0" smtClean="0"/>
+            <a:endParaRPr lang="en-US" dirty="0"/>
           </a:p>
           <a:p>
             <a:pPr lvl="0" fontAlgn="base"/>
             <a:r>
-              <a:rPr lang="en-US" sz="1200" b="1" kern="1200" dirty="0" smtClean="0">
+              <a:rPr lang="en-US" sz="1200" b="1" kern="1200" dirty="0">
                 <a:solidFill>
                   <a:schemeClr val="tx1"/>
                 </a:solidFill>
@@ -1463,7 +1302,7 @@
               </a:rPr>
               <a:t>Application configuration data is stored in a backend</a:t>
             </a:r>
-            <a:endParaRPr lang="en-US" sz="1200" kern="1200" dirty="0" smtClean="0">
+            <a:endParaRPr lang="en-US" sz="1200" kern="1200" dirty="0">
               <a:solidFill>
                 <a:schemeClr val="tx1"/>
               </a:solidFill>
@@ -1476,7 +1315,7 @@
           <a:p>
             <a:pPr lvl="0" fontAlgn="base"/>
             <a:r>
-              <a:rPr lang="en-US" sz="1200" b="1" kern="1200" dirty="0" smtClean="0">
+              <a:rPr lang="en-US" sz="1200" b="1" kern="1200" dirty="0">
                 <a:solidFill>
                   <a:schemeClr val="tx1"/>
                 </a:solidFill>
@@ -1488,7 +1327,7 @@
               <a:t>Git, Subversion and File System </a:t>
             </a:r>
             <a:r>
-              <a:rPr lang="en-US" sz="1200" b="1" kern="1200" dirty="0" err="1" smtClean="0">
+              <a:rPr lang="en-US" sz="1200" b="1" kern="1200" dirty="0" err="1">
                 <a:solidFill>
                   <a:schemeClr val="tx1"/>
                 </a:solidFill>
@@ -1500,7 +1339,7 @@
               <a:t>backends</a:t>
             </a:r>
             <a:r>
-              <a:rPr lang="en-US" sz="1200" b="1" kern="1200" dirty="0" smtClean="0">
+              <a:rPr lang="en-US" sz="1200" b="1" kern="1200" dirty="0">
                 <a:solidFill>
                   <a:schemeClr val="tx1"/>
                 </a:solidFill>
@@ -1511,7 +1350,7 @@
               </a:rPr>
               <a:t> are supported</a:t>
             </a:r>
-            <a:endParaRPr lang="en-US" sz="1200" kern="1200" dirty="0" smtClean="0">
+            <a:endParaRPr lang="en-US" sz="1200" kern="1200" dirty="0">
               <a:solidFill>
                 <a:schemeClr val="tx1"/>
               </a:solidFill>
@@ -1524,7 +1363,7 @@
           <a:p>
             <a:pPr lvl="0" fontAlgn="base"/>
             <a:r>
-              <a:rPr lang="en-US" sz="1200" b="1" kern="1200" dirty="0" smtClean="0">
+              <a:rPr lang="en-US" sz="1200" b="1" kern="1200" dirty="0">
                 <a:solidFill>
                   <a:schemeClr val="tx1"/>
                 </a:solidFill>
@@ -1535,7 +1374,7 @@
               </a:rPr>
               <a:t>Git is the default backend. It's great for auditing changes and managing upgrades</a:t>
             </a:r>
-            <a:endParaRPr lang="en-US" sz="1200" kern="1200" dirty="0" smtClean="0">
+            <a:endParaRPr lang="en-US" sz="1200" kern="1200" dirty="0">
               <a:solidFill>
                 <a:schemeClr val="tx1"/>
               </a:solidFill>
@@ -1548,7 +1387,7 @@
           <a:p>
             <a:pPr lvl="0" fontAlgn="base"/>
             <a:r>
-              <a:rPr lang="en-US" sz="1200" b="1" kern="1200" dirty="0" smtClean="0">
+              <a:rPr lang="en-US" sz="1200" b="1" kern="1200" dirty="0">
                 <a:solidFill>
                   <a:schemeClr val="tx1"/>
                 </a:solidFill>
@@ -1560,7 +1399,7 @@
               <a:t>Setting the git backend is done via the </a:t>
             </a:r>
             <a:r>
-              <a:rPr lang="en-US" sz="1200" b="1" kern="1200" dirty="0" err="1" smtClean="0">
+              <a:rPr lang="en-US" sz="1200" b="1" kern="1200" dirty="0" err="1">
                 <a:solidFill>
                   <a:schemeClr val="tx1"/>
                 </a:solidFill>
@@ -1572,7 +1411,7 @@
               <a:t>spring.cloud.config.server.git.uriconfiguration</a:t>
             </a:r>
             <a:r>
-              <a:rPr lang="en-US" sz="1200" b="1" kern="1200" dirty="0" smtClean="0">
+              <a:rPr lang="en-US" sz="1200" b="1" kern="1200" dirty="0">
                 <a:solidFill>
                   <a:schemeClr val="tx1"/>
                 </a:solidFill>
@@ -1586,7 +1425,7 @@
           </a:p>
           <a:p>
             <a:pPr lvl="0" fontAlgn="base"/>
-            <a:endParaRPr lang="en-US" sz="1200" b="1" kern="1200" dirty="0" smtClean="0">
+            <a:endParaRPr lang="en-US" sz="1200" b="1" kern="1200" dirty="0">
               <a:solidFill>
                 <a:schemeClr val="tx1"/>
               </a:solidFill>
@@ -1598,7 +1437,7 @@
           </a:p>
           <a:p>
             <a:pPr lvl="0" fontAlgn="base"/>
-            <a:endParaRPr lang="en-US" sz="1200" kern="1200" dirty="0" smtClean="0">
+            <a:endParaRPr lang="en-US" sz="1200" kern="1200" dirty="0">
               <a:solidFill>
                 <a:schemeClr val="tx1"/>
               </a:solidFill>
@@ -1610,7 +1449,7 @@
           </a:p>
           <a:p>
             <a:r>
-              <a:rPr lang="en-US" sz="1200" kern="1200" dirty="0" smtClean="0">
+              <a:rPr lang="en-US" sz="1200" kern="1200" dirty="0">
                 <a:solidFill>
                   <a:schemeClr val="tx1"/>
                 </a:solidFill>
@@ -1795,7 +1634,7 @@
           <a:lstStyle/>
           <a:p>
             <a:r>
-              <a:rPr lang="en-US" sz="1200" u="sng" kern="1200" dirty="0" smtClean="0">
+              <a:rPr lang="en-US" sz="1200" u="sng" kern="1200" dirty="0">
                 <a:solidFill>
                   <a:schemeClr val="tx1"/>
                 </a:solidFill>
@@ -1808,7 +1647,7 @@
               <a:t>Netflix uses Zuul</a:t>
             </a:r>
             <a:r>
-              <a:rPr lang="en-US" sz="1200" kern="1200" dirty="0" smtClean="0">
+              <a:rPr lang="en-US" sz="1200" kern="1200" dirty="0">
                 <a:solidFill>
                   <a:schemeClr val="tx1"/>
                 </a:solidFill>
@@ -1823,7 +1662,7 @@
           <a:p>
             <a:pPr lvl="0"/>
             <a:r>
-              <a:rPr lang="en-US" sz="1200" kern="1200" dirty="0" smtClean="0">
+              <a:rPr lang="en-US" sz="1200" kern="1200" dirty="0">
                 <a:solidFill>
                   <a:schemeClr val="tx1"/>
                 </a:solidFill>
@@ -1838,7 +1677,7 @@
           <a:p>
             <a:pPr lvl="0"/>
             <a:r>
-              <a:rPr lang="en-US" sz="1200" kern="1200" dirty="0" smtClean="0">
+              <a:rPr lang="en-US" sz="1200" kern="1200" dirty="0">
                 <a:solidFill>
                   <a:schemeClr val="tx1"/>
                 </a:solidFill>
@@ -1853,7 +1692,7 @@
           <a:p>
             <a:pPr lvl="0"/>
             <a:r>
-              <a:rPr lang="en-US" sz="1200" kern="1200" dirty="0" smtClean="0">
+              <a:rPr lang="en-US" sz="1200" kern="1200" dirty="0">
                 <a:solidFill>
                   <a:schemeClr val="tx1"/>
                 </a:solidFill>
@@ -1868,7 +1707,7 @@
           <a:p>
             <a:pPr lvl="0"/>
             <a:r>
-              <a:rPr lang="en-US" sz="1200" kern="1200" dirty="0" smtClean="0">
+              <a:rPr lang="en-US" sz="1200" kern="1200" dirty="0">
                 <a:solidFill>
                   <a:schemeClr val="tx1"/>
                 </a:solidFill>
@@ -1883,7 +1722,7 @@
           <a:p>
             <a:pPr lvl="0"/>
             <a:r>
-              <a:rPr lang="en-US" sz="1200" kern="1200" dirty="0" smtClean="0">
+              <a:rPr lang="en-US" sz="1200" kern="1200" dirty="0">
                 <a:solidFill>
                   <a:schemeClr val="tx1"/>
                 </a:solidFill>
@@ -1898,7 +1737,7 @@
           <a:p>
             <a:pPr lvl="0"/>
             <a:r>
-              <a:rPr lang="en-US" sz="1200" kern="1200" dirty="0" smtClean="0">
+              <a:rPr lang="en-US" sz="1200" kern="1200" dirty="0">
                 <a:solidFill>
                   <a:schemeClr val="tx1"/>
                 </a:solidFill>
@@ -1913,7 +1752,7 @@
           <a:p>
             <a:pPr lvl="0"/>
             <a:r>
-              <a:rPr lang="en-US" sz="1200" kern="1200" dirty="0" smtClean="0">
+              <a:rPr lang="en-US" sz="1200" kern="1200" dirty="0">
                 <a:solidFill>
                   <a:schemeClr val="tx1"/>
                 </a:solidFill>
@@ -1928,7 +1767,7 @@
           <a:p>
             <a:pPr lvl="0"/>
             <a:r>
-              <a:rPr lang="en-US" sz="1200" kern="1200" dirty="0" smtClean="0">
+              <a:rPr lang="en-US" sz="1200" kern="1200" dirty="0">
                 <a:solidFill>
                   <a:schemeClr val="tx1"/>
                 </a:solidFill>
@@ -1943,7 +1782,7 @@
           <a:p>
             <a:pPr lvl="0"/>
             <a:r>
-              <a:rPr lang="en-US" sz="1200" kern="1200" dirty="0" smtClean="0">
+              <a:rPr lang="en-US" sz="1200" kern="1200" dirty="0">
                 <a:solidFill>
                   <a:schemeClr val="tx1"/>
                 </a:solidFill>
@@ -1958,7 +1797,7 @@
           <a:p>
             <a:pPr lvl="0"/>
             <a:r>
-              <a:rPr lang="en-US" sz="1200" kern="1200" dirty="0" smtClean="0">
+              <a:rPr lang="en-US" sz="1200" kern="1200" dirty="0">
                 <a:solidFill>
                   <a:schemeClr val="tx1"/>
                 </a:solidFill>
@@ -1972,7 +1811,7 @@
           </a:p>
           <a:p>
             <a:r>
-              <a:rPr lang="en-US" sz="1200" kern="1200" dirty="0" err="1" smtClean="0">
+              <a:rPr lang="en-US" sz="1200" kern="1200" dirty="0" err="1">
                 <a:solidFill>
                   <a:schemeClr val="tx1"/>
                 </a:solidFill>
@@ -1984,7 +1823,7 @@
               <a:t>Zuul’s</a:t>
             </a:r>
             <a:r>
-              <a:rPr lang="en-US" sz="1200" kern="1200" dirty="0" smtClean="0">
+              <a:rPr lang="en-US" sz="1200" kern="1200" dirty="0">
                 <a:solidFill>
                   <a:schemeClr val="tx1"/>
                 </a:solidFill>
@@ -1998,7 +1837,7 @@
           </a:p>
           <a:p>
             <a:r>
-              <a:rPr lang="en-US" sz="1200" kern="1200" dirty="0" smtClean="0">
+              <a:rPr lang="en-US" sz="1200" kern="1200" dirty="0">
                 <a:solidFill>
                   <a:schemeClr val="tx1"/>
                 </a:solidFill>
@@ -2012,7 +1851,7 @@
           </a:p>
           <a:p>
             <a:r>
-              <a:rPr lang="en-US" sz="1200" kern="1200" dirty="0" smtClean="0">
+              <a:rPr lang="en-US" sz="1200" kern="1200" dirty="0">
                 <a:solidFill>
                   <a:schemeClr val="tx1"/>
                 </a:solidFill>
@@ -2023,15 +1862,6 @@
               </a:rPr>
               <a:t> </a:t>
             </a:r>
-            <a:endParaRPr lang="en-US" sz="1200" kern="1200" dirty="0">
-              <a:solidFill>
-                <a:schemeClr val="tx1"/>
-              </a:solidFill>
-              <a:effectLst/>
-              <a:latin typeface="+mn-lt"/>
-              <a:ea typeface="+mn-ea"/>
-              <a:cs typeface="+mn-cs"/>
-            </a:endParaRPr>
           </a:p>
         </p:txBody>
       </p:sp>
@@ -2206,10 +2036,9 @@
           </a:lstStyle>
           <a:p>
             <a:r>
-              <a:rPr lang="en-US" dirty="0" smtClean="0"/>
+              <a:rPr lang="en-US" dirty="0"/>
               <a:t>Click to edit Master title style</a:t>
             </a:r>
-            <a:endParaRPr lang="en-US" dirty="0"/>
           </a:p>
         </p:txBody>
       </p:sp>
@@ -2272,10 +2101,9 @@
           <a:p>
             <a:pPr lvl="0"/>
             <a:r>
-              <a:rPr lang="en-US" dirty="0" smtClean="0"/>
+              <a:rPr lang="en-US" dirty="0"/>
               <a:t>Click to edit Master</a:t>
             </a:r>
-            <a:endParaRPr lang="en-US" dirty="0"/>
           </a:p>
         </p:txBody>
       </p:sp>
@@ -2289,13 +2117,6 @@
   <p:clrMapOvr>
     <a:masterClrMapping/>
   </p:clrMapOvr>
-  <p:timing>
-    <p:tnLst>
-      <p:par>
-        <p:cTn xmlns:p14="http://schemas.microsoft.com/office/powerpoint/2010/main" id="1" dur="indefinite" restart="never" nodeType="tmRoot"/>
-      </p:par>
-    </p:tnLst>
-  </p:timing>
 </p:sldLayout>
 </file>
 
@@ -2717,10 +2538,9 @@
           </a:lstStyle>
           <a:p>
             <a:r>
-              <a:rPr lang="en-US" dirty="0" smtClean="0"/>
+              <a:rPr lang="en-US" dirty="0"/>
               <a:t>Click to edit Master title style</a:t>
             </a:r>
-            <a:endParaRPr lang="en-US" dirty="0"/>
           </a:p>
         </p:txBody>
       </p:sp>
@@ -2816,10 +2636,9 @@
           <a:p>
             <a:pPr lvl="0"/>
             <a:r>
-              <a:rPr lang="en-US" dirty="0" smtClean="0"/>
+              <a:rPr lang="en-US" dirty="0"/>
               <a:t>Click to edit Master</a:t>
             </a:r>
-            <a:endParaRPr lang="en-US" dirty="0"/>
           </a:p>
         </p:txBody>
       </p:sp>
@@ -2833,13 +2652,6 @@
   <p:clrMapOvr>
     <a:masterClrMapping/>
   </p:clrMapOvr>
-  <p:timing>
-    <p:tnLst>
-      <p:par>
-        <p:cTn xmlns:p14="http://schemas.microsoft.com/office/powerpoint/2010/main" id="1" dur="indefinite" restart="never" nodeType="tmRoot"/>
-      </p:par>
-    </p:tnLst>
-  </p:timing>
 </p:sldLayout>
 </file>
 
@@ -3011,13 +2823,6 @@
   <p:clrMapOvr>
     <a:masterClrMapping/>
   </p:clrMapOvr>
-  <p:timing>
-    <p:tnLst>
-      <p:par>
-        <p:cTn xmlns:p14="http://schemas.microsoft.com/office/powerpoint/2010/main" id="1" dur="indefinite" restart="never" nodeType="tmRoot"/>
-      </p:par>
-    </p:tnLst>
-  </p:timing>
 </p:sldLayout>
 </file>
 
@@ -3104,13 +2909,6 @@
   <p:clrMapOvr>
     <a:masterClrMapping/>
   </p:clrMapOvr>
-  <p:timing>
-    <p:tnLst>
-      <p:par>
-        <p:cTn xmlns:p14="http://schemas.microsoft.com/office/powerpoint/2010/main" id="1" dur="indefinite" restart="never" nodeType="tmRoot"/>
-      </p:par>
-    </p:tnLst>
-  </p:timing>
 </p:sldLayout>
 </file>
 
@@ -3169,10 +2967,9 @@
           </a:lstStyle>
           <a:p>
             <a:r>
-              <a:rPr lang="en-US" dirty="0" smtClean="0"/>
+              <a:rPr lang="en-US" dirty="0"/>
               <a:t>Click to Edit Master Title Style</a:t>
             </a:r>
-            <a:endParaRPr lang="en-US" dirty="0"/>
           </a:p>
         </p:txBody>
       </p:sp>
@@ -3186,16 +2983,9 @@
   <p:clrMapOvr>
     <a:masterClrMapping/>
   </p:clrMapOvr>
-  <p:transition xmlns:p14="http://schemas.microsoft.com/office/powerpoint/2010/main">
+  <p:transition>
     <p:fade/>
   </p:transition>
-  <p:timing>
-    <p:tnLst>
-      <p:par>
-        <p:cTn xmlns:p14="http://schemas.microsoft.com/office/powerpoint/2010/main" id="1" dur="indefinite" restart="never" nodeType="tmRoot"/>
-      </p:par>
-    </p:tnLst>
-  </p:timing>
 </p:sldLayout>
 </file>
 
@@ -3345,7 +3135,7 @@
   <p:clrMapOvr>
     <a:masterClrMapping/>
   </p:clrMapOvr>
-  <p:transition xmlns:p14="http://schemas.microsoft.com/office/powerpoint/2010/main" spd="med"/>
+  <p:transition spd="med"/>
 </p:sldLayout>
 </file>
 
@@ -3565,10 +3355,9 @@
           </a:lstStyle>
           <a:p>
             <a:r>
-              <a:rPr lang="en-US" dirty="0" smtClean="0"/>
+              <a:rPr lang="en-US" dirty="0"/>
               <a:t>Click to edit Master title style</a:t>
             </a:r>
-            <a:endParaRPr lang="en-US" dirty="0"/>
           </a:p>
         </p:txBody>
       </p:sp>
@@ -3664,10 +3453,9 @@
           <a:p>
             <a:pPr lvl="0"/>
             <a:r>
-              <a:rPr lang="en-US" dirty="0" smtClean="0"/>
+              <a:rPr lang="en-US" dirty="0"/>
               <a:t>Click to edit Master</a:t>
             </a:r>
-            <a:endParaRPr lang="en-US" dirty="0"/>
           </a:p>
         </p:txBody>
       </p:sp>
@@ -3731,13 +3519,6 @@
   <p:clrMapOvr>
     <a:masterClrMapping/>
   </p:clrMapOvr>
-  <p:timing>
-    <p:tnLst>
-      <p:par>
-        <p:cTn xmlns:p14="http://schemas.microsoft.com/office/powerpoint/2010/main" id="1" dur="indefinite" restart="never" nodeType="tmRoot"/>
-      </p:par>
-    </p:tnLst>
-  </p:timing>
 </p:sldLayout>
 </file>
 
@@ -3909,13 +3690,6 @@
   <p:clrMapOvr>
     <a:masterClrMapping/>
   </p:clrMapOvr>
-  <p:timing>
-    <p:tnLst>
-      <p:par>
-        <p:cTn xmlns:p14="http://schemas.microsoft.com/office/powerpoint/2010/main" id="1" dur="indefinite" restart="never" nodeType="tmRoot"/>
-      </p:par>
-    </p:tnLst>
-  </p:timing>
 </p:sldLayout>
 </file>
 
@@ -3969,13 +3743,6 @@
   <p:clrMapOvr>
     <a:masterClrMapping/>
   </p:clrMapOvr>
-  <p:timing>
-    <p:tnLst>
-      <p:par>
-        <p:cTn xmlns:p14="http://schemas.microsoft.com/office/powerpoint/2010/main" id="1" dur="indefinite" restart="never" nodeType="tmRoot"/>
-      </p:par>
-    </p:tnLst>
-  </p:timing>
 </p:sldLayout>
 </file>
 
@@ -4062,13 +3829,6 @@
   <p:clrMapOvr>
     <a:masterClrMapping/>
   </p:clrMapOvr>
-  <p:timing>
-    <p:tnLst>
-      <p:par>
-        <p:cTn xmlns:p14="http://schemas.microsoft.com/office/powerpoint/2010/main" id="1" dur="indefinite" restart="never" nodeType="tmRoot"/>
-      </p:par>
-    </p:tnLst>
-  </p:timing>
 </p:sldLayout>
 </file>
 
@@ -4127,10 +3887,9 @@
           </a:lstStyle>
           <a:p>
             <a:r>
-              <a:rPr lang="en-US" dirty="0" smtClean="0"/>
+              <a:rPr lang="en-US" dirty="0"/>
               <a:t>Click to Edit Master Title Style</a:t>
             </a:r>
-            <a:endParaRPr lang="en-US" dirty="0"/>
           </a:p>
         </p:txBody>
       </p:sp>
@@ -4144,16 +3903,9 @@
   <p:clrMapOvr>
     <a:masterClrMapping/>
   </p:clrMapOvr>
-  <p:transition xmlns:p14="http://schemas.microsoft.com/office/powerpoint/2010/main">
+  <p:transition>
     <p:fade/>
   </p:transition>
-  <p:timing>
-    <p:tnLst>
-      <p:par>
-        <p:cTn xmlns:p14="http://schemas.microsoft.com/office/powerpoint/2010/main" id="1" dur="indefinite" restart="never" nodeType="tmRoot"/>
-      </p:par>
-    </p:tnLst>
-  </p:timing>
 </p:sldLayout>
 </file>
 
@@ -4303,7 +4055,7 @@
   <p:clrMapOvr>
     <a:masterClrMapping/>
   </p:clrMapOvr>
-  <p:transition xmlns:p14="http://schemas.microsoft.com/office/powerpoint/2010/main" spd="med"/>
+  <p:transition spd="med"/>
 </p:sldLayout>
 </file>
 
@@ -4523,10 +4275,9 @@
           </a:lstStyle>
           <a:p>
             <a:r>
-              <a:rPr lang="en-US" dirty="0" smtClean="0"/>
+              <a:rPr lang="en-US" dirty="0"/>
               <a:t>Click to edit Master title style</a:t>
             </a:r>
-            <a:endParaRPr lang="en-US" dirty="0"/>
           </a:p>
         </p:txBody>
       </p:sp>
@@ -4563,13 +4314,6 @@
   <p:clrMapOvr>
     <a:masterClrMapping/>
   </p:clrMapOvr>
-  <p:timing>
-    <p:tnLst>
-      <p:par>
-        <p:cTn xmlns:p14="http://schemas.microsoft.com/office/powerpoint/2010/main" id="1" dur="indefinite" restart="never" nodeType="tmRoot"/>
-      </p:par>
-    </p:tnLst>
-  </p:timing>
 </p:sldLayout>
 </file>
 
@@ -4632,10 +4376,9 @@
           </a:lstStyle>
           <a:p>
             <a:r>
-              <a:rPr lang="en-US" dirty="0" smtClean="0"/>
+              <a:rPr lang="en-US" dirty="0"/>
               <a:t>CLICK TO EDIT MASTER TITLE STYLE</a:t>
             </a:r>
-            <a:endParaRPr lang="en-US" dirty="0"/>
           </a:p>
         </p:txBody>
       </p:sp>
@@ -4710,35 +4453,35 @@
           <a:p>
             <a:pPr lvl="0"/>
             <a:r>
-              <a:rPr lang="en-US" smtClean="0"/>
+              <a:rPr lang="en-US"/>
               <a:t>Click to edit Master text styles</a:t>
             </a:r>
           </a:p>
           <a:p>
             <a:pPr lvl="1"/>
             <a:r>
-              <a:rPr lang="en-US" smtClean="0"/>
+              <a:rPr lang="en-US"/>
               <a:t>Second level</a:t>
             </a:r>
           </a:p>
           <a:p>
             <a:pPr lvl="2"/>
             <a:r>
-              <a:rPr lang="en-US" smtClean="0"/>
+              <a:rPr lang="en-US"/>
               <a:t>Third level</a:t>
             </a:r>
           </a:p>
           <a:p>
             <a:pPr lvl="3"/>
             <a:r>
-              <a:rPr lang="en-US" smtClean="0"/>
+              <a:rPr lang="en-US"/>
               <a:t>Fourth level</a:t>
             </a:r>
           </a:p>
           <a:p>
             <a:pPr lvl="4"/>
             <a:r>
-              <a:rPr lang="en-US" smtClean="0"/>
+              <a:rPr lang="en-US"/>
               <a:t>Fifth level</a:t>
             </a:r>
             <a:endParaRPr lang="en-US" dirty="0"/>
@@ -4817,7 +4560,7 @@
           <a:p>
             <a:pPr algn="l"/>
             <a:r>
-              <a:rPr lang="en-US" sz="600" dirty="0" smtClean="0">
+              <a:rPr lang="en-US" sz="600" dirty="0">
                 <a:solidFill>
                   <a:schemeClr val="bg1">
                     <a:lumMod val="50000"/>
@@ -4829,7 +4572,7 @@
               <a:t>© Copyright 2015 Pivotal.</a:t>
             </a:r>
             <a:r>
-              <a:rPr lang="en-US" sz="600" baseline="0" dirty="0" smtClean="0">
+              <a:rPr lang="en-US" sz="600" baseline="0" dirty="0">
                 <a:solidFill>
                   <a:schemeClr val="bg1">
                     <a:lumMod val="50000"/>
@@ -4841,7 +4584,7 @@
               <a:t> </a:t>
             </a:r>
             <a:r>
-              <a:rPr lang="en-US" sz="600" dirty="0" smtClean="0">
+              <a:rPr lang="en-US" sz="600" dirty="0">
                 <a:solidFill>
                   <a:schemeClr val="bg1">
                     <a:lumMod val="50000"/>
@@ -4852,15 +4595,6 @@
               </a:rPr>
               <a:t>All rights reserved.</a:t>
             </a:r>
-            <a:endParaRPr lang="en-US" sz="600" dirty="0">
-              <a:solidFill>
-                <a:schemeClr val="bg1">
-                  <a:lumMod val="50000"/>
-                </a:schemeClr>
-              </a:solidFill>
-              <a:latin typeface="Arial"/>
-              <a:cs typeface="Arial"/>
-            </a:endParaRPr>
           </a:p>
         </p:txBody>
       </p:sp>
@@ -4933,13 +4667,6 @@
   <p:clrMapOvr>
     <a:masterClrMapping/>
   </p:clrMapOvr>
-  <p:timing>
-    <p:tnLst>
-      <p:par>
-        <p:cTn xmlns:p14="http://schemas.microsoft.com/office/powerpoint/2010/main" id="1" dur="indefinite" restart="never" nodeType="tmRoot"/>
-      </p:par>
-    </p:tnLst>
-  </p:timing>
 </p:sldLayout>
 </file>
 
@@ -6495,13 +6222,6 @@
     <p:sldLayoutId id="2147483734" r:id="rId4"/>
     <p:sldLayoutId id="2147483735" r:id="rId5"/>
   </p:sldLayoutIdLst>
-  <p:timing>
-    <p:tnLst>
-      <p:par>
-        <p:cTn xmlns:p14="http://schemas.microsoft.com/office/powerpoint/2010/main" id="1" dur="indefinite" restart="never" nodeType="tmRoot"/>
-      </p:par>
-    </p:tnLst>
-  </p:timing>
   <p:hf hdr="0" ftr="0" dt="0"/>
   <p:txStyles>
     <p:titleStyle>
@@ -8123,13 +7843,6 @@
     <p:sldLayoutId id="2147483722" r:id="rId6"/>
     <p:sldLayoutId id="2147483723" r:id="rId7"/>
   </p:sldLayoutIdLst>
-  <p:timing>
-    <p:tnLst>
-      <p:par>
-        <p:cTn xmlns:p14="http://schemas.microsoft.com/office/powerpoint/2010/main" id="1" dur="indefinite" restart="never" nodeType="tmRoot"/>
-      </p:par>
-    </p:tnLst>
-  </p:timing>
   <p:hf hdr="0" ftr="0" dt="0"/>
   <p:txStyles>
     <p:titleStyle>
@@ -8456,13 +8169,6 @@
     <p:sldLayoutId id="2147483730" r:id="rId6"/>
     <p:sldLayoutId id="2147483731" r:id="rId7"/>
   </p:sldLayoutIdLst>
-  <p:timing>
-    <p:tnLst>
-      <p:par>
-        <p:cTn xmlns:p14="http://schemas.microsoft.com/office/powerpoint/2010/main" id="1" dur="indefinite" restart="never" nodeType="tmRoot"/>
-      </p:par>
-    </p:tnLst>
-  </p:timing>
   <p:hf hdr="0" ftr="0" dt="0"/>
   <p:txStyles>
     <p:titleStyle>
@@ -8875,7 +8581,7 @@
               </a:spcAft>
             </a:pPr>
             <a:r>
-              <a:rPr lang="en-US" sz="4200" b="1" spc="-100" dirty="0" smtClean="0">
+              <a:rPr lang="en-US" sz="4200" b="1" spc="-100" dirty="0">
                 <a:solidFill>
                   <a:srgbClr val="00AE9E"/>
                 </a:solidFill>
@@ -8903,7 +8609,7 @@
         <p:spPr>
           <a:xfrm>
             <a:off x="626110" y="2511428"/>
-            <a:ext cx="6871970" cy="875111"/>
+            <a:ext cx="6871970" cy="480131"/>
           </a:xfrm>
           <a:prstGeom prst="rect">
             <a:avLst/>
@@ -8932,7 +8638,7 @@
               </a:spcAft>
             </a:pPr>
             <a:r>
-              <a:rPr lang="en-US" sz="2800" spc="-100" dirty="0" smtClean="0">
+              <a:rPr lang="en-US" sz="2800" spc="-100" dirty="0">
                 <a:solidFill>
                   <a:schemeClr val="bg1"/>
                 </a:solidFill>
@@ -8945,21 +8651,8 @@
                 </a:effectLst>
                 <a:cs typeface="Arial"/>
               </a:rPr>
-              <a:t>Spring Cloud Netflix – Service Discovery and Load Balancing</a:t>
-            </a:r>
-            <a:endParaRPr lang="en-US" sz="2800" spc="-100" dirty="0">
-              <a:solidFill>
-                <a:schemeClr val="bg1"/>
-              </a:solidFill>
-              <a:effectLst>
-                <a:outerShdw blurRad="50800" dist="38100" dir="5400000" algn="t" rotWithShape="0">
-                  <a:prstClr val="black">
-                    <a:alpha val="40000"/>
-                  </a:prstClr>
-                </a:outerShdw>
-              </a:effectLst>
-              <a:cs typeface="Arial"/>
-            </a:endParaRPr>
+              <a:t>Service Discovery and Load Balancing</a:t>
+            </a:r>
           </a:p>
         </p:txBody>
       </p:sp>
@@ -8973,1417 +8666,10 @@
   <p:clrMapOvr>
     <a:masterClrMapping/>
   </p:clrMapOvr>
-  <p:timing>
-    <p:tnLst>
-      <p:par>
-        <p:cTn xmlns:p14="http://schemas.microsoft.com/office/powerpoint/2010/main" id="1" dur="indefinite" restart="never" nodeType="tmRoot"/>
-      </p:par>
-    </p:tnLst>
-  </p:timing>
 </p:sld>
 </file>
 
 <file path=ppt/slides/slide10.xml><?xml version="1.0" encoding="utf-8"?>
-<p:sld xmlns:a="http://schemas.openxmlformats.org/drawingml/2006/main" xmlns:r="http://schemas.openxmlformats.org/officeDocument/2006/relationships" xmlns:p="http://schemas.openxmlformats.org/presentationml/2006/main">
-  <p:cSld>
-    <p:spTree>
-      <p:nvGrpSpPr>
-        <p:cNvPr id="1" name=""/>
-        <p:cNvGrpSpPr/>
-        <p:nvPr/>
-      </p:nvGrpSpPr>
-      <p:grpSpPr>
-        <a:xfrm>
-          <a:off x="0" y="0"/>
-          <a:ext cx="0" cy="0"/>
-          <a:chOff x="0" y="0"/>
-          <a:chExt cx="0" cy="0"/>
-        </a:xfrm>
-      </p:grpSpPr>
-      <p:sp>
-        <p:nvSpPr>
-          <p:cNvPr id="2" name="Title 1"/>
-          <p:cNvSpPr>
-            <a:spLocks noGrp="1"/>
-          </p:cNvSpPr>
-          <p:nvPr>
-            <p:ph type="title"/>
-          </p:nvPr>
-        </p:nvSpPr>
-        <p:spPr/>
-        <p:txBody>
-          <a:bodyPr/>
-          <a:lstStyle/>
-          <a:p>
-            <a:r>
-              <a:rPr lang="en-US" dirty="0" smtClean="0"/>
-              <a:t>HOW??</a:t>
-            </a:r>
-            <a:endParaRPr lang="en-US" dirty="0"/>
-          </a:p>
-        </p:txBody>
-      </p:sp>
-      <p:sp>
-        <p:nvSpPr>
-          <p:cNvPr id="5" name="TextBox 4"/>
-          <p:cNvSpPr txBox="1"/>
-          <p:nvPr/>
-        </p:nvSpPr>
-        <p:spPr>
-          <a:xfrm>
-            <a:off x="193040" y="3017520"/>
-            <a:ext cx="5181600" cy="1384995"/>
-          </a:xfrm>
-          <a:prstGeom prst="rect">
-            <a:avLst/>
-          </a:prstGeom>
-          <a:solidFill>
-            <a:schemeClr val="bg1"/>
-          </a:solidFill>
-        </p:spPr>
-        <p:txBody>
-          <a:bodyPr wrap="square" rtlCol="0">
-            <a:spAutoFit/>
-          </a:bodyPr>
-          <a:lstStyle/>
-          <a:p>
-            <a:r>
-              <a:rPr lang="en-US" sz="1200" dirty="0">
-                <a:latin typeface="Courier New"/>
-                <a:cs typeface="Courier New"/>
-              </a:rPr>
-              <a:t> </a:t>
-            </a:r>
-            <a:r>
-              <a:rPr lang="en-US" sz="1200" dirty="0" smtClean="0">
-                <a:latin typeface="Courier New"/>
-                <a:cs typeface="Courier New"/>
-              </a:rPr>
-              <a:t>  public Portfolio </a:t>
-            </a:r>
-            <a:r>
-              <a:rPr lang="en-US" sz="1200" dirty="0" smtClean="0">
-                <a:solidFill>
-                  <a:srgbClr val="77933C"/>
-                </a:solidFill>
-                <a:latin typeface="Courier New"/>
-                <a:cs typeface="Courier New"/>
-              </a:rPr>
-              <a:t>accountLookup</a:t>
-            </a:r>
-            <a:r>
-              <a:rPr lang="en-US" sz="1200" dirty="0" smtClean="0">
-                <a:latin typeface="Courier New"/>
-                <a:cs typeface="Courier New"/>
-              </a:rPr>
-              <a:t>(</a:t>
-            </a:r>
-            <a:r>
-              <a:rPr lang="en-US" sz="1200" dirty="0">
-                <a:latin typeface="Courier New"/>
-                <a:cs typeface="Courier New"/>
-              </a:rPr>
-              <a:t>String</a:t>
-            </a:r>
-            <a:r>
-              <a:rPr lang="en-US" sz="1200" dirty="0" smtClean="0">
-                <a:latin typeface="Courier New"/>
-                <a:cs typeface="Courier New"/>
-              </a:rPr>
-              <a:t>[acctId) {</a:t>
-            </a:r>
-          </a:p>
-          <a:p>
-            <a:r>
-              <a:rPr lang="en-US" sz="1200" dirty="0">
-                <a:latin typeface="Courier New"/>
-                <a:cs typeface="Courier New"/>
-              </a:rPr>
-              <a:t> </a:t>
-            </a:r>
-            <a:r>
-              <a:rPr lang="en-US" sz="1200" dirty="0" smtClean="0">
-                <a:latin typeface="Courier New"/>
-                <a:cs typeface="Courier New"/>
-              </a:rPr>
-              <a:t>     Portfolio p = restTemplate.getForObject(</a:t>
-            </a:r>
-          </a:p>
-          <a:p>
-            <a:r>
-              <a:rPr lang="en-US" sz="1200" dirty="0">
-                <a:latin typeface="Courier New"/>
-                <a:cs typeface="Courier New"/>
-              </a:rPr>
-              <a:t>	</a:t>
-            </a:r>
-            <a:r>
-              <a:rPr lang="en-US" sz="1200" dirty="0" smtClean="0">
-                <a:latin typeface="Courier New"/>
-                <a:cs typeface="Courier New"/>
-              </a:rPr>
-              <a:t>    </a:t>
-            </a:r>
-            <a:r>
-              <a:rPr lang="en-US" sz="1200" dirty="0" smtClean="0">
-                <a:latin typeface="Courier New"/>
-                <a:cs typeface="Courier New"/>
-                <a:hlinkClick r:id="rId3"/>
-              </a:rPr>
-              <a:t>“http://portfolio-service/portfolio/{accId}</a:t>
-            </a:r>
-            <a:r>
-              <a:rPr lang="en-US" sz="1200" dirty="0" smtClean="0">
-                <a:latin typeface="Courier New"/>
-                <a:cs typeface="Courier New"/>
-              </a:rPr>
-              <a:t>”,</a:t>
-            </a:r>
-          </a:p>
-          <a:p>
-            <a:r>
-              <a:rPr lang="en-US" sz="1200" dirty="0">
-                <a:latin typeface="Courier New"/>
-                <a:cs typeface="Courier New"/>
-              </a:rPr>
-              <a:t>	 </a:t>
-            </a:r>
-            <a:r>
-              <a:rPr lang="en-US" sz="1200" dirty="0" smtClean="0">
-                <a:latin typeface="Courier New"/>
-                <a:cs typeface="Courier New"/>
-              </a:rPr>
-              <a:t>   Portfolio.class</a:t>
-            </a:r>
-          </a:p>
-          <a:p>
-            <a:r>
-              <a:rPr lang="en-US" sz="1200" dirty="0">
-                <a:latin typeface="Courier New"/>
-                <a:cs typeface="Courier New"/>
-              </a:rPr>
-              <a:t>	</a:t>
-            </a:r>
-            <a:r>
-              <a:rPr lang="en-US" sz="1200" dirty="0" smtClean="0">
-                <a:latin typeface="Courier New"/>
-                <a:cs typeface="Courier New"/>
-              </a:rPr>
-              <a:t>    acctId);</a:t>
-            </a:r>
-            <a:endParaRPr lang="en-US" sz="1200" dirty="0">
-              <a:latin typeface="Courier New"/>
-              <a:cs typeface="Courier New"/>
-            </a:endParaRPr>
-          </a:p>
-          <a:p>
-            <a:r>
-              <a:rPr lang="en-US" sz="1200" dirty="0" smtClean="0">
-                <a:latin typeface="Courier New"/>
-                <a:cs typeface="Courier New"/>
-              </a:rPr>
-              <a:t>	 return p;</a:t>
-            </a:r>
-          </a:p>
-          <a:p>
-            <a:r>
-              <a:rPr lang="en-US" sz="1200" dirty="0" smtClean="0">
-                <a:latin typeface="Courier New"/>
-                <a:cs typeface="Courier New"/>
-              </a:rPr>
-              <a:t>   }</a:t>
-            </a:r>
-            <a:endParaRPr lang="en-US" sz="1200" dirty="0">
-              <a:latin typeface="Courier New"/>
-              <a:cs typeface="Courier New"/>
-            </a:endParaRPr>
-          </a:p>
-        </p:txBody>
-      </p:sp>
-      <p:sp>
-        <p:nvSpPr>
-          <p:cNvPr id="6" name="TextBox 5"/>
-          <p:cNvSpPr txBox="1"/>
-          <p:nvPr/>
-        </p:nvSpPr>
-        <p:spPr>
-          <a:xfrm>
-            <a:off x="3159760" y="3718561"/>
-            <a:ext cx="2214880" cy="461665"/>
-          </a:xfrm>
-          <a:prstGeom prst="rect">
-            <a:avLst/>
-          </a:prstGeom>
-          <a:noFill/>
-        </p:spPr>
-        <p:txBody>
-          <a:bodyPr wrap="square" rtlCol="0">
-            <a:spAutoFit/>
-          </a:bodyPr>
-          <a:lstStyle/>
-          <a:p>
-            <a:r>
-              <a:rPr lang="en-US" sz="1200" b="1" dirty="0" smtClean="0">
-                <a:solidFill>
-                  <a:srgbClr val="FF0000"/>
-                </a:solidFill>
-                <a:latin typeface="Courier New"/>
-                <a:cs typeface="Courier New"/>
-                <a:sym typeface="Wingdings"/>
-              </a:rPr>
-              <a:t> </a:t>
-            </a:r>
-            <a:r>
-              <a:rPr lang="en-US" sz="1200" b="1" dirty="0">
-                <a:solidFill>
-                  <a:srgbClr val="FF0000"/>
-                </a:solidFill>
-                <a:latin typeface="Courier New"/>
-                <a:cs typeface="Courier New"/>
-                <a:sym typeface="Wingdings"/>
-              </a:rPr>
-              <a:t>MAGIC!!</a:t>
-            </a:r>
-            <a:endParaRPr lang="en-US" sz="1200" b="1" dirty="0">
-              <a:solidFill>
-                <a:srgbClr val="FF0000"/>
-              </a:solidFill>
-              <a:latin typeface="Courier New"/>
-              <a:cs typeface="Courier New"/>
-            </a:endParaRPr>
-          </a:p>
-          <a:p>
-            <a:endParaRPr lang="en-US" sz="1200" dirty="0">
-              <a:latin typeface="Courier New"/>
-              <a:cs typeface="Courier New"/>
-            </a:endParaRPr>
-          </a:p>
-        </p:txBody>
-      </p:sp>
-      <p:cxnSp>
-        <p:nvCxnSpPr>
-          <p:cNvPr id="7" name="Straight Arrow Connector 6"/>
-          <p:cNvCxnSpPr/>
-          <p:nvPr/>
-        </p:nvCxnSpPr>
-        <p:spPr>
-          <a:xfrm flipH="1" flipV="1">
-            <a:off x="3088640" y="3637280"/>
-            <a:ext cx="132080" cy="162560"/>
-          </a:xfrm>
-          <a:prstGeom prst="straightConnector1">
-            <a:avLst/>
-          </a:prstGeom>
-          <a:ln>
-            <a:solidFill>
-              <a:srgbClr val="FF0000"/>
-            </a:solidFill>
-            <a:tailEnd type="arrow"/>
-          </a:ln>
-        </p:spPr>
-        <p:style>
-          <a:lnRef idx="2">
-            <a:schemeClr val="accent1"/>
-          </a:lnRef>
-          <a:fillRef idx="0">
-            <a:schemeClr val="accent1"/>
-          </a:fillRef>
-          <a:effectRef idx="1">
-            <a:schemeClr val="accent1"/>
-          </a:effectRef>
-          <a:fontRef idx="minor">
-            <a:schemeClr val="tx1"/>
-          </a:fontRef>
-        </p:style>
-      </p:cxnSp>
-      <p:sp>
-        <p:nvSpPr>
-          <p:cNvPr id="8" name="TextBox 7"/>
-          <p:cNvSpPr txBox="1"/>
-          <p:nvPr/>
-        </p:nvSpPr>
-        <p:spPr>
-          <a:xfrm>
-            <a:off x="193040" y="1107440"/>
-            <a:ext cx="6289040" cy="1569660"/>
-          </a:xfrm>
-          <a:prstGeom prst="rect">
-            <a:avLst/>
-          </a:prstGeom>
-          <a:solidFill>
-            <a:schemeClr val="bg1"/>
-          </a:solidFill>
-        </p:spPr>
-        <p:txBody>
-          <a:bodyPr wrap="square" rtlCol="0">
-            <a:spAutoFit/>
-          </a:bodyPr>
-          <a:lstStyle/>
-          <a:p>
-            <a:r>
-              <a:rPr lang="en-US" sz="1200" dirty="0" smtClean="0">
-                <a:latin typeface="Courier New"/>
-                <a:cs typeface="Courier New"/>
-              </a:rPr>
-              <a:t>  @</a:t>
-            </a:r>
-            <a:r>
-              <a:rPr lang="en-US" sz="1200" b="1" dirty="0" smtClean="0">
-                <a:solidFill>
-                  <a:srgbClr val="FF0000"/>
-                </a:solidFill>
-                <a:latin typeface="Courier New"/>
-                <a:cs typeface="Courier New"/>
-              </a:rPr>
-              <a:t>Autowired</a:t>
-            </a:r>
-            <a:r>
-              <a:rPr lang="en-US" sz="1200" dirty="0" smtClean="0">
-                <a:solidFill>
-                  <a:srgbClr val="FF0000"/>
-                </a:solidFill>
-                <a:latin typeface="Courier New"/>
-                <a:cs typeface="Courier New"/>
-              </a:rPr>
-              <a:t> </a:t>
-            </a:r>
-            <a:r>
-              <a:rPr lang="en-US" sz="1200" dirty="0" smtClean="0">
-                <a:latin typeface="Courier New"/>
-                <a:cs typeface="Courier New"/>
-              </a:rPr>
-              <a:t>LoadBalancerClient </a:t>
-            </a:r>
-            <a:r>
-              <a:rPr lang="en-US" sz="1200" dirty="0">
-                <a:latin typeface="Courier New"/>
-                <a:cs typeface="Courier New"/>
-              </a:rPr>
-              <a:t>loadBalancer</a:t>
-            </a:r>
-            <a:r>
-              <a:rPr lang="en-US" sz="1200" dirty="0" smtClean="0">
-                <a:latin typeface="Courier New"/>
-                <a:cs typeface="Courier New"/>
-              </a:rPr>
-              <a:t>;</a:t>
-            </a:r>
-          </a:p>
-          <a:p>
-            <a:endParaRPr lang="en-US" sz="1200" dirty="0">
-              <a:latin typeface="Courier New"/>
-              <a:cs typeface="Courier New"/>
-            </a:endParaRPr>
-          </a:p>
-          <a:p>
-            <a:r>
-              <a:rPr lang="en-US" sz="1200" dirty="0" smtClean="0">
-                <a:latin typeface="Courier New"/>
-                <a:cs typeface="Courier New"/>
-              </a:rPr>
-              <a:t>  public </a:t>
-            </a:r>
-            <a:r>
-              <a:rPr lang="en-US" sz="1200" dirty="0">
-                <a:latin typeface="Courier New"/>
-                <a:cs typeface="Courier New"/>
-              </a:rPr>
-              <a:t>void </a:t>
-            </a:r>
-            <a:r>
-              <a:rPr lang="en-US" sz="1200" dirty="0">
-                <a:solidFill>
-                  <a:srgbClr val="77933C"/>
-                </a:solidFill>
-                <a:latin typeface="Courier New"/>
-                <a:cs typeface="Courier New"/>
-              </a:rPr>
-              <a:t>doStuff</a:t>
-            </a:r>
-            <a:r>
-              <a:rPr lang="en-US" sz="1200" dirty="0">
-                <a:latin typeface="Courier New"/>
-                <a:cs typeface="Courier New"/>
-              </a:rPr>
-              <a:t>() </a:t>
-            </a:r>
-            <a:r>
-              <a:rPr lang="en-US" sz="1200" dirty="0" smtClean="0">
-                <a:latin typeface="Courier New"/>
-                <a:cs typeface="Courier New"/>
-              </a:rPr>
-              <a:t>{</a:t>
-            </a:r>
-          </a:p>
-          <a:p>
-            <a:r>
-              <a:rPr lang="en-US" sz="1200" dirty="0" smtClean="0">
-                <a:latin typeface="Courier New"/>
-                <a:cs typeface="Courier New"/>
-              </a:rPr>
-              <a:t>  </a:t>
-            </a:r>
-            <a:r>
-              <a:rPr lang="en-US" sz="1200" dirty="0">
-                <a:latin typeface="Courier New"/>
-                <a:cs typeface="Courier New"/>
-              </a:rPr>
-              <a:t> </a:t>
-            </a:r>
-            <a:r>
-              <a:rPr lang="en-US" sz="1200" dirty="0" smtClean="0">
-                <a:latin typeface="Courier New"/>
-                <a:cs typeface="Courier New"/>
-              </a:rPr>
-              <a:t>  ServiceInstance </a:t>
-            </a:r>
-            <a:r>
-              <a:rPr lang="en-US" sz="1200" dirty="0">
-                <a:latin typeface="Courier New"/>
-                <a:cs typeface="Courier New"/>
-              </a:rPr>
-              <a:t>instance = </a:t>
-            </a:r>
-            <a:r>
-              <a:rPr lang="en-US" sz="1200" dirty="0" smtClean="0">
-                <a:latin typeface="Courier New"/>
-                <a:cs typeface="Courier New"/>
-              </a:rPr>
-              <a:t>loadBalancer.choose</a:t>
-            </a:r>
-            <a:r>
-              <a:rPr lang="en-US" sz="1200" dirty="0">
-                <a:latin typeface="Courier New"/>
-                <a:cs typeface="Courier New"/>
-              </a:rPr>
-              <a:t>("stores")</a:t>
-            </a:r>
-            <a:r>
-              <a:rPr lang="en-US" sz="1200" dirty="0" smtClean="0">
-                <a:latin typeface="Courier New"/>
-                <a:cs typeface="Courier New"/>
-              </a:rPr>
-              <a:t>;</a:t>
-            </a:r>
-          </a:p>
-          <a:p>
-            <a:r>
-              <a:rPr lang="en-US" sz="1200" dirty="0" smtClean="0">
-                <a:latin typeface="Courier New"/>
-                <a:cs typeface="Courier New"/>
-              </a:rPr>
-              <a:t>     URI </a:t>
-            </a:r>
-            <a:r>
-              <a:rPr lang="en-US" sz="1200" dirty="0">
-                <a:latin typeface="Courier New"/>
-                <a:cs typeface="Courier New"/>
-              </a:rPr>
-              <a:t>storesUri = URI.create(String.format("http://%s:%s"</a:t>
-            </a:r>
-            <a:r>
-              <a:rPr lang="en-US" sz="1200" dirty="0" smtClean="0">
-                <a:latin typeface="Courier New"/>
-                <a:cs typeface="Courier New"/>
-              </a:rPr>
-              <a:t>,</a:t>
-            </a:r>
-          </a:p>
-          <a:p>
-            <a:r>
-              <a:rPr lang="en-US" sz="1200" dirty="0" smtClean="0">
-                <a:latin typeface="Courier New"/>
-                <a:cs typeface="Courier New"/>
-              </a:rPr>
-              <a:t>                        instance.getHost</a:t>
-            </a:r>
-            <a:r>
-              <a:rPr lang="en-US" sz="1200" dirty="0">
-                <a:latin typeface="Courier New"/>
-                <a:cs typeface="Courier New"/>
-              </a:rPr>
-              <a:t>(), instance.getPort()))</a:t>
-            </a:r>
-            <a:r>
-              <a:rPr lang="en-US" sz="1200" dirty="0" smtClean="0">
-                <a:latin typeface="Courier New"/>
-                <a:cs typeface="Courier New"/>
-              </a:rPr>
-              <a:t>;</a:t>
-            </a:r>
-          </a:p>
-          <a:p>
-            <a:r>
-              <a:rPr lang="en-US" sz="1200" dirty="0">
-                <a:latin typeface="Courier New"/>
-                <a:cs typeface="Courier New"/>
-              </a:rPr>
-              <a:t> </a:t>
-            </a:r>
-            <a:r>
-              <a:rPr lang="en-US" sz="1200" dirty="0" smtClean="0">
-                <a:latin typeface="Courier New"/>
-                <a:cs typeface="Courier New"/>
-              </a:rPr>
-              <a:t>    // Do some stuff</a:t>
-            </a:r>
-            <a:r>
-              <a:rPr lang="is-IS" sz="1200" dirty="0" smtClean="0">
-                <a:latin typeface="Courier New"/>
-                <a:cs typeface="Courier New"/>
-              </a:rPr>
-              <a:t>…</a:t>
-            </a:r>
-            <a:r>
-              <a:rPr lang="en-US" sz="1200" dirty="0" smtClean="0">
-                <a:latin typeface="Courier New"/>
-                <a:cs typeface="Courier New"/>
-              </a:rPr>
-              <a:t>          </a:t>
-            </a:r>
-          </a:p>
-          <a:p>
-            <a:r>
-              <a:rPr lang="en-US" sz="1200" dirty="0" smtClean="0">
-                <a:latin typeface="Courier New"/>
-                <a:cs typeface="Courier New"/>
-              </a:rPr>
-              <a:t>  }</a:t>
-            </a:r>
-          </a:p>
-        </p:txBody>
-      </p:sp>
-    </p:spTree>
-    <p:extLst>
-      <p:ext uri="{BB962C8B-B14F-4D97-AF65-F5344CB8AC3E}">
-        <p14:creationId xmlns:p14="http://schemas.microsoft.com/office/powerpoint/2010/main" val="2707292111"/>
-      </p:ext>
-    </p:extLst>
-  </p:cSld>
-  <p:clrMapOvr>
-    <a:masterClrMapping/>
-  </p:clrMapOvr>
-  <p:timing>
-    <p:tnLst>
-      <p:par>
-        <p:cTn xmlns:p14="http://schemas.microsoft.com/office/powerpoint/2010/main" id="1" dur="indefinite" restart="never" nodeType="tmRoot">
-          <p:childTnLst>
-            <p:seq concurrent="1" nextAc="seek">
-              <p:cTn id="2" dur="indefinite" nodeType="mainSeq">
-                <p:childTnLst>
-                  <p:par>
-                    <p:cTn id="3" fill="hold">
-                      <p:stCondLst>
-                        <p:cond delay="indefinite"/>
-                        <p:cond evt="onBegin" delay="0">
-                          <p:tn val="2"/>
-                        </p:cond>
-                      </p:stCondLst>
-                      <p:childTnLst>
-                        <p:par>
-                          <p:cTn id="4" fill="hold">
-                            <p:stCondLst>
-                              <p:cond delay="0"/>
-                            </p:stCondLst>
-                            <p:childTnLst>
-                              <p:par>
-                                <p:cTn id="5" presetID="1" presetClass="entr" presetSubtype="0" fill="hold" nodeType="withEffect">
-                                  <p:stCondLst>
-                                    <p:cond delay="0"/>
-                                  </p:stCondLst>
-                                  <p:childTnLst>
-                                    <p:set>
-                                      <p:cBhvr>
-                                        <p:cTn id="6" dur="1" fill="hold">
-                                          <p:stCondLst>
-                                            <p:cond delay="0"/>
-                                          </p:stCondLst>
-                                        </p:cTn>
-                                        <p:tgtEl>
-                                          <p:spTgt spid="7"/>
-                                        </p:tgtEl>
-                                        <p:attrNameLst>
-                                          <p:attrName>style.visibility</p:attrName>
-                                        </p:attrNameLst>
-                                      </p:cBhvr>
-                                      <p:to>
-                                        <p:strVal val="visible"/>
-                                      </p:to>
-                                    </p:set>
-                                  </p:childTnLst>
-                                </p:cTn>
-                              </p:par>
-                              <p:par>
-                                <p:cTn id="7" presetID="1" presetClass="entr" presetSubtype="0" fill="hold" grpId="0" nodeType="withEffect">
-                                  <p:stCondLst>
-                                    <p:cond delay="0"/>
-                                  </p:stCondLst>
-                                  <p:childTnLst>
-                                    <p:set>
-                                      <p:cBhvr>
-                                        <p:cTn id="8" dur="1" fill="hold">
-                                          <p:stCondLst>
-                                            <p:cond delay="0"/>
-                                          </p:stCondLst>
-                                        </p:cTn>
-                                        <p:tgtEl>
-                                          <p:spTgt spid="6"/>
-                                        </p:tgtEl>
-                                        <p:attrNameLst>
-                                          <p:attrName>style.visibility</p:attrName>
-                                        </p:attrNameLst>
-                                      </p:cBhvr>
-                                      <p:to>
-                                        <p:strVal val="visible"/>
-                                      </p:to>
-                                    </p:set>
-                                  </p:childTnLst>
-                                </p:cTn>
-                              </p:par>
-                            </p:childTnLst>
-                          </p:cTn>
-                        </p:par>
-                      </p:childTnLst>
-                    </p:cTn>
-                  </p:par>
-                </p:childTnLst>
-              </p:cTn>
-              <p:prevCondLst>
-                <p:cond evt="onPrev" delay="0">
-                  <p:tgtEl>
-                    <p:sldTgt/>
-                  </p:tgtEl>
-                </p:cond>
-              </p:prevCondLst>
-              <p:nextCondLst>
-                <p:cond evt="onNext" delay="0">
-                  <p:tgtEl>
-                    <p:sldTgt/>
-                  </p:tgtEl>
-                </p:cond>
-              </p:nextCondLst>
-            </p:seq>
-          </p:childTnLst>
-        </p:cTn>
-      </p:par>
-    </p:tnLst>
-    <p:bldLst>
-      <p:bldP spid="6" grpId="0"/>
-    </p:bldLst>
-  </p:timing>
-</p:sld>
-</file>
-
-<file path=ppt/slides/slide11.xml><?xml version="1.0" encoding="utf-8"?>
-<p:sld xmlns:a="http://schemas.openxmlformats.org/drawingml/2006/main" xmlns:r="http://schemas.openxmlformats.org/officeDocument/2006/relationships" xmlns:p="http://schemas.openxmlformats.org/presentationml/2006/main">
-  <p:cSld>
-    <p:spTree>
-      <p:nvGrpSpPr>
-        <p:cNvPr id="1" name=""/>
-        <p:cNvGrpSpPr/>
-        <p:nvPr/>
-      </p:nvGrpSpPr>
-      <p:grpSpPr>
-        <a:xfrm>
-          <a:off x="0" y="0"/>
-          <a:ext cx="0" cy="0"/>
-          <a:chOff x="0" y="0"/>
-          <a:chExt cx="0" cy="0"/>
-        </a:xfrm>
-      </p:grpSpPr>
-      <p:sp>
-        <p:nvSpPr>
-          <p:cNvPr id="2" name="Title 1"/>
-          <p:cNvSpPr>
-            <a:spLocks noGrp="1"/>
-          </p:cNvSpPr>
-          <p:nvPr>
-            <p:ph type="title"/>
-          </p:nvPr>
-        </p:nvSpPr>
-        <p:spPr>
-          <a:xfrm>
-            <a:off x="35559" y="320040"/>
-            <a:ext cx="9052561" cy="363558"/>
-          </a:xfrm>
-        </p:spPr>
-        <p:txBody>
-          <a:bodyPr/>
-          <a:lstStyle/>
-          <a:p>
-            <a:r>
-              <a:rPr lang="en-US" dirty="0" smtClean="0"/>
-              <a:t>HOW??</a:t>
-            </a:r>
-            <a:endParaRPr lang="en-US" dirty="0">
-              <a:solidFill>
-                <a:srgbClr val="138A7E"/>
-              </a:solidFill>
-            </a:endParaRPr>
-          </a:p>
-        </p:txBody>
-      </p:sp>
-      <p:sp>
-        <p:nvSpPr>
-          <p:cNvPr id="4" name="Rectangle 3"/>
-          <p:cNvSpPr/>
-          <p:nvPr/>
-        </p:nvSpPr>
-        <p:spPr>
-          <a:xfrm>
-            <a:off x="142240" y="1082308"/>
-            <a:ext cx="4988560" cy="1615827"/>
-          </a:xfrm>
-          <a:prstGeom prst="rect">
-            <a:avLst/>
-          </a:prstGeom>
-          <a:solidFill>
-            <a:schemeClr val="bg1"/>
-          </a:solidFill>
-        </p:spPr>
-        <p:txBody>
-          <a:bodyPr wrap="square">
-            <a:spAutoFit/>
-          </a:bodyPr>
-          <a:lstStyle/>
-          <a:p>
-            <a:r>
-              <a:rPr lang="en-US" sz="1100" b="1" dirty="0" smtClean="0">
-                <a:solidFill>
-                  <a:schemeClr val="accent1"/>
-                </a:solidFill>
-                <a:latin typeface="Courier New"/>
-                <a:cs typeface="Courier New"/>
-              </a:rPr>
-              <a:t>@</a:t>
-            </a:r>
-            <a:r>
-              <a:rPr lang="en-US" sz="1100" b="1" dirty="0" smtClean="0">
-                <a:solidFill>
-                  <a:srgbClr val="008774"/>
-                </a:solidFill>
-                <a:latin typeface="Courier New"/>
-                <a:cs typeface="Courier New"/>
-              </a:rPr>
-              <a:t>SpringBootApplication</a:t>
-            </a:r>
-          </a:p>
-          <a:p>
-            <a:r>
-              <a:rPr lang="en-US" sz="1100" b="1" dirty="0" smtClean="0">
-                <a:solidFill>
-                  <a:srgbClr val="008774"/>
-                </a:solidFill>
-                <a:latin typeface="Courier New"/>
-                <a:cs typeface="Courier New"/>
-              </a:rPr>
-              <a:t>@EnableZuulProxy</a:t>
-            </a:r>
-            <a:endParaRPr lang="en-US" sz="1100" b="1" dirty="0">
-              <a:solidFill>
-                <a:srgbClr val="008774"/>
-              </a:solidFill>
-              <a:latin typeface="Courier New"/>
-              <a:cs typeface="Courier New"/>
-            </a:endParaRPr>
-          </a:p>
-          <a:p>
-            <a:r>
-              <a:rPr lang="en-US" sz="1100" b="1" dirty="0">
-                <a:solidFill>
-                  <a:srgbClr val="008774"/>
-                </a:solidFill>
-                <a:latin typeface="Courier New"/>
-                <a:cs typeface="Courier New"/>
-              </a:rPr>
-              <a:t>@</a:t>
-            </a:r>
-            <a:r>
-              <a:rPr lang="en-US" sz="1100" b="1" dirty="0" smtClean="0">
-                <a:solidFill>
-                  <a:srgbClr val="008774"/>
-                </a:solidFill>
-                <a:latin typeface="Courier New"/>
-                <a:cs typeface="Courier New"/>
-              </a:rPr>
-              <a:t>EnableDiscoveryClient</a:t>
-            </a:r>
-            <a:r>
-              <a:rPr lang="en-US" sz="1100" b="1" dirty="0" smtClean="0">
-                <a:solidFill>
-                  <a:srgbClr val="FF0000"/>
-                </a:solidFill>
-                <a:latin typeface="Courier New"/>
-                <a:cs typeface="Courier New"/>
-              </a:rPr>
-              <a:t> </a:t>
-            </a:r>
-            <a:endParaRPr lang="en-US" sz="1100" b="1" dirty="0" smtClean="0">
-              <a:solidFill>
-                <a:schemeClr val="accent1"/>
-              </a:solidFill>
-              <a:latin typeface="Courier New"/>
-              <a:cs typeface="Courier New"/>
-            </a:endParaRPr>
-          </a:p>
-          <a:p>
-            <a:pPr latinLnBrk="1"/>
-            <a:r>
-              <a:rPr lang="en-US" sz="1100" dirty="0" smtClean="0">
-                <a:latin typeface="Courier New"/>
-                <a:cs typeface="Courier New"/>
-              </a:rPr>
-              <a:t>public class MyAPIGateway {</a:t>
-            </a:r>
-          </a:p>
-          <a:p>
-            <a:pPr latinLnBrk="1"/>
-            <a:r>
-              <a:rPr lang="en-US" sz="1100" dirty="0" smtClean="0">
-                <a:latin typeface="Courier New"/>
-                <a:cs typeface="Courier New"/>
-              </a:rPr>
-              <a:t>   </a:t>
-            </a:r>
-          </a:p>
-          <a:p>
-            <a:r>
-              <a:rPr lang="en-US" sz="1100" dirty="0" smtClean="0">
-                <a:latin typeface="Courier New"/>
-                <a:cs typeface="Courier New"/>
-              </a:rPr>
-              <a:t>   </a:t>
-            </a:r>
-            <a:r>
-              <a:rPr lang="en-US" sz="1100" dirty="0">
-                <a:latin typeface="Courier New"/>
-                <a:cs typeface="Courier New"/>
-              </a:rPr>
-              <a:t>public static </a:t>
-            </a:r>
-            <a:r>
-              <a:rPr lang="en-US" sz="1100" dirty="0">
-                <a:solidFill>
-                  <a:schemeClr val="accent3">
-                    <a:lumMod val="50000"/>
-                  </a:schemeClr>
-                </a:solidFill>
-                <a:latin typeface="Courier New"/>
-                <a:cs typeface="Courier New"/>
-              </a:rPr>
-              <a:t>void</a:t>
-            </a:r>
-            <a:r>
-              <a:rPr lang="en-US" sz="1100" dirty="0">
-                <a:latin typeface="Courier New"/>
-                <a:cs typeface="Courier New"/>
-              </a:rPr>
-              <a:t> main(String[] args) {</a:t>
-            </a:r>
-          </a:p>
-          <a:p>
-            <a:r>
-              <a:rPr lang="en-US" sz="1100" dirty="0">
-                <a:latin typeface="Courier New"/>
-                <a:cs typeface="Courier New"/>
-              </a:rPr>
-              <a:t>     SpringApplication.run</a:t>
-            </a:r>
-            <a:r>
-              <a:rPr lang="en-US" sz="1100" dirty="0" smtClean="0">
-                <a:latin typeface="Courier New"/>
-                <a:cs typeface="Courier New"/>
-              </a:rPr>
-              <a:t>(MyAPIGateway</a:t>
-            </a:r>
-            <a:r>
-              <a:rPr lang="en-US" sz="1100" dirty="0" smtClean="0">
-                <a:solidFill>
-                  <a:srgbClr val="1F6FB8"/>
-                </a:solidFill>
-                <a:latin typeface="Courier New"/>
-                <a:cs typeface="Courier New"/>
-              </a:rPr>
-              <a:t>.class</a:t>
-            </a:r>
-            <a:r>
-              <a:rPr lang="en-US" sz="1100" dirty="0">
-                <a:latin typeface="Courier New"/>
-                <a:cs typeface="Courier New"/>
-              </a:rPr>
-              <a:t>, args);</a:t>
-            </a:r>
-          </a:p>
-          <a:p>
-            <a:r>
-              <a:rPr lang="en-US" sz="1100" dirty="0">
-                <a:latin typeface="Courier New"/>
-                <a:cs typeface="Courier New"/>
-              </a:rPr>
-              <a:t>   </a:t>
-            </a:r>
-            <a:r>
-              <a:rPr lang="en-US" sz="1100" dirty="0" smtClean="0">
-                <a:latin typeface="Courier New"/>
-                <a:cs typeface="Courier New"/>
-              </a:rPr>
-              <a:t>}</a:t>
-            </a:r>
-          </a:p>
-          <a:p>
-            <a:r>
-              <a:rPr lang="en-US" sz="1100" dirty="0">
-                <a:latin typeface="Courier New"/>
-                <a:cs typeface="Courier New"/>
-              </a:rPr>
-              <a:t>}</a:t>
-            </a:r>
-          </a:p>
-        </p:txBody>
-      </p:sp>
-      <p:sp>
-        <p:nvSpPr>
-          <p:cNvPr id="11" name="TextBox 10"/>
-          <p:cNvSpPr txBox="1"/>
-          <p:nvPr/>
-        </p:nvSpPr>
-        <p:spPr>
-          <a:xfrm>
-            <a:off x="5354320" y="1822033"/>
-            <a:ext cx="3586480" cy="1015663"/>
-          </a:xfrm>
-          <a:prstGeom prst="rect">
-            <a:avLst/>
-          </a:prstGeom>
-          <a:solidFill>
-            <a:schemeClr val="bg1"/>
-          </a:solidFill>
-        </p:spPr>
-        <p:txBody>
-          <a:bodyPr wrap="square" rtlCol="0">
-            <a:spAutoFit/>
-          </a:bodyPr>
-          <a:lstStyle/>
-          <a:p>
-            <a:r>
-              <a:rPr lang="en-US" sz="1200" dirty="0">
-                <a:latin typeface="Courier New"/>
-                <a:cs typeface="Courier New"/>
-              </a:rPr>
-              <a:t>zuul</a:t>
-            </a:r>
-            <a:r>
-              <a:rPr lang="en-US" sz="1200" dirty="0" smtClean="0">
-                <a:latin typeface="Courier New"/>
-                <a:cs typeface="Courier New"/>
-              </a:rPr>
-              <a:t>:</a:t>
-            </a:r>
-          </a:p>
-          <a:p>
-            <a:r>
-              <a:rPr lang="en-US" sz="1200" dirty="0" smtClean="0">
-                <a:latin typeface="Courier New"/>
-                <a:cs typeface="Courier New"/>
-              </a:rPr>
-              <a:t>   </a:t>
-            </a:r>
-            <a:r>
-              <a:rPr lang="en-US" sz="1200" dirty="0">
-                <a:latin typeface="Courier New"/>
-                <a:cs typeface="Courier New"/>
-              </a:rPr>
-              <a:t>routes</a:t>
-            </a:r>
-            <a:r>
-              <a:rPr lang="en-US" sz="1200" dirty="0" smtClean="0">
-                <a:latin typeface="Courier New"/>
-                <a:cs typeface="Courier New"/>
-              </a:rPr>
-              <a:t>:</a:t>
-            </a:r>
-          </a:p>
-          <a:p>
-            <a:r>
-              <a:rPr lang="en-US" sz="1200" dirty="0" smtClean="0">
-                <a:latin typeface="Courier New"/>
-                <a:cs typeface="Courier New"/>
-              </a:rPr>
-              <a:t>     </a:t>
-            </a:r>
-            <a:r>
-              <a:rPr lang="en-US" sz="1200" dirty="0">
-                <a:latin typeface="Courier New"/>
-                <a:cs typeface="Courier New"/>
-              </a:rPr>
-              <a:t>users</a:t>
-            </a:r>
-            <a:r>
-              <a:rPr lang="en-US" sz="1200" dirty="0" smtClean="0">
-                <a:latin typeface="Courier New"/>
-                <a:cs typeface="Courier New"/>
-              </a:rPr>
-              <a:t>:</a:t>
-            </a:r>
-          </a:p>
-          <a:p>
-            <a:r>
-              <a:rPr lang="en-US" sz="1200" dirty="0" smtClean="0">
-                <a:latin typeface="Courier New"/>
-                <a:cs typeface="Courier New"/>
-              </a:rPr>
-              <a:t>       </a:t>
-            </a:r>
-            <a:r>
-              <a:rPr lang="en-US" sz="1200" dirty="0">
-                <a:latin typeface="Courier New"/>
-                <a:cs typeface="Courier New"/>
-              </a:rPr>
-              <a:t>path: /myusers/*</a:t>
-            </a:r>
-            <a:r>
-              <a:rPr lang="en-US" sz="1200" dirty="0" smtClean="0">
-                <a:latin typeface="Courier New"/>
-                <a:cs typeface="Courier New"/>
-              </a:rPr>
-              <a:t>*</a:t>
-            </a:r>
-          </a:p>
-          <a:p>
-            <a:r>
-              <a:rPr lang="en-US" sz="1200" dirty="0" smtClean="0">
-                <a:latin typeface="Courier New"/>
-                <a:cs typeface="Courier New"/>
-              </a:rPr>
-              <a:t>       </a:t>
-            </a:r>
-            <a:r>
-              <a:rPr lang="en-US" sz="1200" dirty="0">
-                <a:latin typeface="Courier New"/>
-                <a:cs typeface="Courier New"/>
-              </a:rPr>
-              <a:t>serviceId: users_service  </a:t>
-            </a:r>
-          </a:p>
-        </p:txBody>
-      </p:sp>
-      <p:sp>
-        <p:nvSpPr>
-          <p:cNvPr id="12" name="TextBox 11"/>
-          <p:cNvSpPr txBox="1"/>
-          <p:nvPr/>
-        </p:nvSpPr>
-        <p:spPr>
-          <a:xfrm>
-            <a:off x="6492239" y="1390680"/>
-            <a:ext cx="3048001" cy="369332"/>
-          </a:xfrm>
-          <a:prstGeom prst="rect">
-            <a:avLst/>
-          </a:prstGeom>
-          <a:noFill/>
-        </p:spPr>
-        <p:txBody>
-          <a:bodyPr wrap="square" rtlCol="0">
-            <a:spAutoFit/>
-          </a:bodyPr>
-          <a:lstStyle/>
-          <a:p>
-            <a:r>
-              <a:rPr lang="en-US" dirty="0">
-                <a:solidFill>
-                  <a:schemeClr val="accent1"/>
-                </a:solidFill>
-              </a:rPr>
-              <a:t>a</a:t>
-            </a:r>
-            <a:r>
-              <a:rPr lang="en-US" dirty="0" smtClean="0">
-                <a:solidFill>
-                  <a:schemeClr val="accent1"/>
-                </a:solidFill>
-              </a:rPr>
-              <a:t>pplication.yml</a:t>
-            </a:r>
-            <a:endParaRPr lang="en-US" dirty="0">
-              <a:solidFill>
-                <a:schemeClr val="accent1"/>
-              </a:solidFill>
-            </a:endParaRPr>
-          </a:p>
-        </p:txBody>
-      </p:sp>
-      <p:sp>
-        <p:nvSpPr>
-          <p:cNvPr id="6" name="TextBox 5"/>
-          <p:cNvSpPr txBox="1"/>
-          <p:nvPr/>
-        </p:nvSpPr>
-        <p:spPr>
-          <a:xfrm>
-            <a:off x="2336800" y="1329888"/>
-            <a:ext cx="2214880" cy="461665"/>
-          </a:xfrm>
-          <a:prstGeom prst="rect">
-            <a:avLst/>
-          </a:prstGeom>
-          <a:noFill/>
-        </p:spPr>
-        <p:txBody>
-          <a:bodyPr wrap="square" rtlCol="0">
-            <a:spAutoFit/>
-          </a:bodyPr>
-          <a:lstStyle/>
-          <a:p>
-            <a:r>
-              <a:rPr lang="en-US" sz="1200" b="1" dirty="0" smtClean="0">
-                <a:solidFill>
-                  <a:srgbClr val="FF0000"/>
-                </a:solidFill>
-                <a:latin typeface="Courier New"/>
-                <a:cs typeface="Courier New"/>
-                <a:sym typeface="Wingdings"/>
-              </a:rPr>
-              <a:t> </a:t>
-            </a:r>
-            <a:r>
-              <a:rPr lang="en-US" sz="1200" b="1" dirty="0">
-                <a:solidFill>
-                  <a:srgbClr val="FF0000"/>
-                </a:solidFill>
-                <a:latin typeface="Courier New"/>
-                <a:cs typeface="Courier New"/>
-                <a:sym typeface="Wingdings"/>
-              </a:rPr>
-              <a:t>MAGIC!!</a:t>
-            </a:r>
-            <a:endParaRPr lang="en-US" sz="1200" b="1" dirty="0">
-              <a:solidFill>
-                <a:srgbClr val="FF0000"/>
-              </a:solidFill>
-              <a:latin typeface="Courier New"/>
-              <a:cs typeface="Courier New"/>
-            </a:endParaRPr>
-          </a:p>
-          <a:p>
-            <a:endParaRPr lang="en-US" sz="1200" dirty="0">
-              <a:latin typeface="Courier New"/>
-              <a:cs typeface="Courier New"/>
-            </a:endParaRPr>
-          </a:p>
-        </p:txBody>
-      </p:sp>
-      <p:cxnSp>
-        <p:nvCxnSpPr>
-          <p:cNvPr id="7" name="Straight Arrow Connector 6"/>
-          <p:cNvCxnSpPr/>
-          <p:nvPr/>
-        </p:nvCxnSpPr>
-        <p:spPr>
-          <a:xfrm flipH="1">
-            <a:off x="2225040" y="1472127"/>
-            <a:ext cx="223520" cy="0"/>
-          </a:xfrm>
-          <a:prstGeom prst="straightConnector1">
-            <a:avLst/>
-          </a:prstGeom>
-          <a:ln>
-            <a:solidFill>
-              <a:srgbClr val="FF0000"/>
-            </a:solidFill>
-            <a:tailEnd type="arrow"/>
-          </a:ln>
-        </p:spPr>
-        <p:style>
-          <a:lnRef idx="2">
-            <a:schemeClr val="accent1"/>
-          </a:lnRef>
-          <a:fillRef idx="0">
-            <a:schemeClr val="accent1"/>
-          </a:fillRef>
-          <a:effectRef idx="1">
-            <a:schemeClr val="accent1"/>
-          </a:effectRef>
-          <a:fontRef idx="minor">
-            <a:schemeClr val="tx1"/>
-          </a:fontRef>
-        </p:style>
-      </p:cxnSp>
-      <p:sp>
-        <p:nvSpPr>
-          <p:cNvPr id="8" name="Content Placeholder 2"/>
-          <p:cNvSpPr>
-            <a:spLocks noGrp="1"/>
-          </p:cNvSpPr>
-          <p:nvPr>
-            <p:ph sz="quarter" idx="10"/>
-          </p:nvPr>
-        </p:nvSpPr>
-        <p:spPr>
-          <a:xfrm>
-            <a:off x="447040" y="3081536"/>
-            <a:ext cx="8229600" cy="1353303"/>
-          </a:xfrm>
-        </p:spPr>
-        <p:txBody>
-          <a:bodyPr/>
-          <a:lstStyle/>
-          <a:p>
-            <a:r>
-              <a:rPr lang="en-US" sz="1800" b="1" dirty="0" smtClean="0"/>
-              <a:t>API proxy will be created at /myusers</a:t>
-            </a:r>
-          </a:p>
-          <a:p>
-            <a:r>
-              <a:rPr lang="en-US" sz="1800" b="1" dirty="0" smtClean="0"/>
-              <a:t>Ribbon/Zuul creates load balancer for Eureka service “users_service”</a:t>
-            </a:r>
-          </a:p>
-          <a:p>
-            <a:r>
-              <a:rPr lang="en-US" sz="1800" b="1" dirty="0" smtClean="0"/>
-              <a:t>All requests </a:t>
-            </a:r>
-            <a:r>
-              <a:rPr lang="en-US" sz="1800" b="1" dirty="0"/>
-              <a:t>are executed in a H</a:t>
-            </a:r>
-            <a:r>
-              <a:rPr lang="en-US" sz="1800" b="1" dirty="0" smtClean="0"/>
-              <a:t>ystrix command</a:t>
-            </a:r>
-            <a:endParaRPr lang="en-US" sz="1800" b="1" dirty="0"/>
-          </a:p>
-        </p:txBody>
-      </p:sp>
-    </p:spTree>
-    <p:extLst>
-      <p:ext uri="{BB962C8B-B14F-4D97-AF65-F5344CB8AC3E}">
-        <p14:creationId xmlns:p14="http://schemas.microsoft.com/office/powerpoint/2010/main" val="4117077508"/>
-      </p:ext>
-    </p:extLst>
-  </p:cSld>
-  <p:clrMapOvr>
-    <a:masterClrMapping/>
-  </p:clrMapOvr>
-  <mc:AlternateContent xmlns:mc="http://schemas.openxmlformats.org/markup-compatibility/2006" xmlns:p14="http://schemas.microsoft.com/office/powerpoint/2010/main">
-    <mc:Choice Requires="p14">
-      <p:transition spd="slow" p14:dur="2000"/>
-    </mc:Choice>
-    <mc:Fallback xmlns="">
-      <p:transition xmlns:p14="http://schemas.microsoft.com/office/powerpoint/2010/main" spd="slow"/>
-    </mc:Fallback>
-  </mc:AlternateContent>
-  <p:timing>
-    <p:tnLst>
-      <p:par>
-        <p:cTn xmlns:p14="http://schemas.microsoft.com/office/powerpoint/2010/main" id="1" dur="indefinite" restart="never" nodeType="tmRoot">
-          <p:childTnLst>
-            <p:seq concurrent="1" nextAc="seek">
-              <p:cTn id="2" dur="indefinite" nodeType="mainSeq">
-                <p:childTnLst>
-                  <p:par>
-                    <p:cTn id="3" fill="hold">
-                      <p:stCondLst>
-                        <p:cond delay="indefinite"/>
-                      </p:stCondLst>
-                      <p:childTnLst>
-                        <p:par>
-                          <p:cTn id="4" fill="hold">
-                            <p:stCondLst>
-                              <p:cond delay="0"/>
-                            </p:stCondLst>
-                            <p:childTnLst>
-                              <p:par>
-                                <p:cTn id="5" presetID="1" presetClass="entr" presetSubtype="0" fill="hold" grpId="0" nodeType="clickEffect">
-                                  <p:stCondLst>
-                                    <p:cond delay="0"/>
-                                  </p:stCondLst>
-                                  <p:childTnLst>
-                                    <p:set>
-                                      <p:cBhvr>
-                                        <p:cTn id="6" dur="1" fill="hold">
-                                          <p:stCondLst>
-                                            <p:cond delay="0"/>
-                                          </p:stCondLst>
-                                        </p:cTn>
-                                        <p:tgtEl>
-                                          <p:spTgt spid="6"/>
-                                        </p:tgtEl>
-                                        <p:attrNameLst>
-                                          <p:attrName>style.visibility</p:attrName>
-                                        </p:attrNameLst>
-                                      </p:cBhvr>
-                                      <p:to>
-                                        <p:strVal val="visible"/>
-                                      </p:to>
-                                    </p:set>
-                                  </p:childTnLst>
-                                </p:cTn>
-                              </p:par>
-                              <p:par>
-                                <p:cTn id="7" presetID="1" presetClass="entr" presetSubtype="0" fill="hold" nodeType="withEffect">
-                                  <p:stCondLst>
-                                    <p:cond delay="0"/>
-                                  </p:stCondLst>
-                                  <p:childTnLst>
-                                    <p:set>
-                                      <p:cBhvr>
-                                        <p:cTn id="8" dur="1" fill="hold">
-                                          <p:stCondLst>
-                                            <p:cond delay="0"/>
-                                          </p:stCondLst>
-                                        </p:cTn>
-                                        <p:tgtEl>
-                                          <p:spTgt spid="7"/>
-                                        </p:tgtEl>
-                                        <p:attrNameLst>
-                                          <p:attrName>style.visibility</p:attrName>
-                                        </p:attrNameLst>
-                                      </p:cBhvr>
-                                      <p:to>
-                                        <p:strVal val="visible"/>
-                                      </p:to>
-                                    </p:set>
-                                  </p:childTnLst>
-                                </p:cTn>
-                              </p:par>
-                            </p:childTnLst>
-                          </p:cTn>
-                        </p:par>
-                      </p:childTnLst>
-                    </p:cTn>
-                  </p:par>
-                </p:childTnLst>
-              </p:cTn>
-              <p:prevCondLst>
-                <p:cond evt="onPrev" delay="0">
-                  <p:tgtEl>
-                    <p:sldTgt/>
-                  </p:tgtEl>
-                </p:cond>
-              </p:prevCondLst>
-              <p:nextCondLst>
-                <p:cond evt="onNext" delay="0">
-                  <p:tgtEl>
-                    <p:sldTgt/>
-                  </p:tgtEl>
-                </p:cond>
-              </p:nextCondLst>
-            </p:seq>
-          </p:childTnLst>
-        </p:cTn>
-      </p:par>
-    </p:tnLst>
-    <p:bldLst>
-      <p:bldP spid="6" grpId="0"/>
-    </p:bldLst>
-  </p:timing>
-</p:sld>
-</file>
-
-<file path=ppt/slides/slide12.xml><?xml version="1.0" encoding="utf-8"?>
 <p:sld xmlns:a="http://schemas.openxmlformats.org/drawingml/2006/main" xmlns:r="http://schemas.openxmlformats.org/officeDocument/2006/relationships" xmlns:p="http://schemas.openxmlformats.org/presentationml/2006/main">
   <p:cSld>
     <p:spTree>
@@ -10654,7 +8940,7 @@
         <p:spPr bwMode="gray">
           <a:xfrm>
             <a:off x="205956" y="2513670"/>
-            <a:ext cx="8410499" cy="460500"/>
+            <a:ext cx="8410499" cy="908732"/>
           </a:xfrm>
           <a:prstGeom prst="rect">
             <a:avLst/>
@@ -10728,12 +9014,25 @@
               <a:buSzPct val="25000"/>
             </a:pPr>
             <a:r>
-              <a:rPr lang="en-US" b="1" cap="all" dirty="0" smtClean="0">
+              <a:rPr lang="en-US" b="1" cap="all" dirty="0">
                 <a:solidFill>
                   <a:srgbClr val="74CEC7"/>
                 </a:solidFill>
               </a:rPr>
               <a:t>Lab</a:t>
+            </a:r>
+          </a:p>
+          <a:p>
+            <a:pPr algn="ctr">
+              <a:buSzPct val="25000"/>
+            </a:pPr>
+            <a:r>
+              <a:rPr lang="en-US" sz="2100" b="1" cap="all">
+                <a:solidFill>
+                  <a:srgbClr val="74CEC7"/>
+                </a:solidFill>
+              </a:rPr>
+              <a:t>Service Discovery</a:t>
             </a:r>
             <a:endParaRPr lang="en" sz="2100" b="1" cap="all" dirty="0">
               <a:solidFill>
@@ -10753,21 +9052,6 @@
   <p:clrMapOvr>
     <a:masterClrMapping/>
   </p:clrMapOvr>
-  <mc:AlternateContent xmlns:mc="http://schemas.openxmlformats.org/markup-compatibility/2006" xmlns:p14="http://schemas.microsoft.com/office/powerpoint/2010/main">
-    <mc:Choice Requires="p14">
-      <p:transition p14:dur="0"/>
-    </mc:Choice>
-    <mc:Fallback xmlns="">
-      <p:transition xmlns:p14="http://schemas.microsoft.com/office/powerpoint/2010/main"/>
-    </mc:Fallback>
-  </mc:AlternateContent>
-  <p:timing>
-    <p:tnLst>
-      <p:par>
-        <p:cTn xmlns:p14="http://schemas.microsoft.com/office/powerpoint/2010/main" id="1" dur="indefinite" restart="never" nodeType="tmRoot"/>
-      </p:par>
-    </p:tnLst>
-  </p:timing>
 </p:sld>
 </file>
 
@@ -10804,10 +9088,9 @@
           <a:lstStyle/>
           <a:p>
             <a:r>
-              <a:rPr lang="en-US" dirty="0" smtClean="0"/>
+              <a:rPr lang="en-US" dirty="0"/>
               <a:t>Distributed Service Challenges</a:t>
             </a:r>
-            <a:endParaRPr lang="en-US" dirty="0"/>
           </a:p>
         </p:txBody>
       </p:sp>
@@ -10828,14 +9111,10 @@
           <a:p>
             <a:r>
               <a:rPr lang="en-US" sz="1800" dirty="0"/>
-              <a:t>Service Discovery is one of the key tenets of a microservice based architecture</a:t>
-            </a:r>
-            <a:r>
-              <a:rPr lang="en-US" sz="1800" dirty="0" smtClean="0"/>
-              <a:t>.</a:t>
+              <a:t>Service Discovery is one of the key tenets of a microservice based architecture.</a:t>
             </a:r>
             <a:br>
-              <a:rPr lang="en-US" sz="1800" dirty="0" smtClean="0"/>
+              <a:rPr lang="en-US" sz="1800" dirty="0"/>
             </a:br>
             <a:endParaRPr lang="en-US" sz="1800" dirty="0"/>
           </a:p>
@@ -10845,35 +9124,31 @@
               <a:t>In distributed systems, </a:t>
             </a:r>
             <a:r>
-              <a:rPr lang="en-US" sz="1800" b="1" i="1" u="sng" dirty="0" smtClean="0"/>
+              <a:rPr lang="en-US" sz="1800" b="1" i="1" u="sng" dirty="0"/>
               <a:t>dependencies != inter-process</a:t>
             </a:r>
             <a:r>
-              <a:rPr lang="en-US" sz="1800" b="1" dirty="0" smtClean="0"/>
+              <a:rPr lang="en-US" sz="1800" b="1" dirty="0"/>
               <a:t> </a:t>
             </a:r>
             <a:r>
-              <a:rPr lang="en-US" sz="1800" dirty="0" smtClean="0"/>
+              <a:rPr lang="en-US" sz="1800" dirty="0"/>
               <a:t>method call</a:t>
             </a:r>
             <a:br>
-              <a:rPr lang="en-US" sz="1800" dirty="0" smtClean="0"/>
+              <a:rPr lang="en-US" sz="1800" dirty="0"/>
             </a:br>
             <a:endParaRPr lang="en-US" sz="1800" dirty="0"/>
           </a:p>
           <a:p>
             <a:r>
               <a:rPr lang="en-US" sz="1800" dirty="0"/>
-              <a:t>Trying to hand configure each client or use some form of convention can be very difficult to do and can be very brittle</a:t>
-            </a:r>
-            <a:r>
-              <a:rPr lang="en-US" sz="1800" dirty="0" smtClean="0"/>
-              <a:t>.</a:t>
+              <a:t>Trying to hand configure each client or use some form of convention can be very difficult to do and can be very brittle.</a:t>
             </a:r>
             <a:br>
-              <a:rPr lang="en-US" sz="1800" dirty="0" smtClean="0"/>
+              <a:rPr lang="en-US" sz="1800" dirty="0"/>
             </a:br>
-            <a:endParaRPr lang="en-US" sz="1800" dirty="0" smtClean="0"/>
+            <a:endParaRPr lang="en-US" sz="1800" dirty="0"/>
           </a:p>
           <a:p>
             <a:r>
@@ -10929,13 +9204,6 @@
   <p:clrMapOvr>
     <a:masterClrMapping/>
   </p:clrMapOvr>
-  <p:timing>
-    <p:tnLst>
-      <p:par>
-        <p:cTn xmlns:p14="http://schemas.microsoft.com/office/powerpoint/2010/main" id="1" dur="indefinite" restart="never" nodeType="tmRoot"/>
-      </p:par>
-    </p:tnLst>
-  </p:timing>
 </p:sld>
 </file>
 
@@ -11010,13 +9278,6 @@
   <p:clrMapOvr>
     <a:masterClrMapping/>
   </p:clrMapOvr>
-  <p:timing>
-    <p:tnLst>
-      <p:par>
-        <p:cTn xmlns:p14="http://schemas.microsoft.com/office/powerpoint/2010/main" id="1" dur="indefinite" restart="never" nodeType="tmRoot"/>
-      </p:par>
-    </p:tnLst>
-  </p:timing>
 </p:sld>
 </file>
 
@@ -11054,11 +9315,7 @@
           <a:p>
             <a:r>
               <a:rPr lang="en-US" dirty="0"/>
-              <a:t>Spring Cloud </a:t>
-            </a:r>
-            <a:r>
-              <a:rPr lang="en-US" dirty="0" smtClean="0"/>
-              <a:t>Service Registry</a:t>
+              <a:t>Spring Cloud Service Registry</a:t>
             </a:r>
             <a:endParaRPr lang="en-US" dirty="0">
               <a:solidFill>
@@ -11092,64 +9349,55 @@
           <a:p>
             <a:pPr lvl="0" fontAlgn="base"/>
             <a:r>
-              <a:rPr lang="en-US" sz="1800" b="1" dirty="0" smtClean="0"/>
-              <a:t>Provides </a:t>
-            </a:r>
-            <a:r>
               <a:rPr lang="en-US" sz="1800" b="1" dirty="0"/>
-              <a:t>an </a:t>
-            </a:r>
-            <a:r>
-              <a:rPr lang="en-US" sz="1800" b="1" dirty="0" smtClean="0"/>
-              <a:t>HTTP interface + client libs for client registry/discovery</a:t>
-            </a:r>
+              <a:t>Provides an HTTP interface + client libs for client registry/discovery</a:t>
+            </a:r>
+          </a:p>
+          <a:p>
+            <a:pPr lvl="0" fontAlgn="base"/>
             <a:endParaRPr lang="en-US" sz="1800" b="1" dirty="0"/>
           </a:p>
           <a:p>
             <a:pPr lvl="0" fontAlgn="base"/>
-            <a:endParaRPr lang="en-US" sz="1800" b="1" dirty="0" smtClean="0"/>
+            <a:r>
+              <a:rPr lang="en-US" sz="1800" b="1" dirty="0"/>
+              <a:t>Registry server collects heartbeats, maintains registry of available services/instances, exchanges registries with local peers + other “zones”</a:t>
+            </a:r>
           </a:p>
           <a:p>
             <a:pPr lvl="0" fontAlgn="base"/>
-            <a:r>
-              <a:rPr lang="en-US" sz="1800" b="1" dirty="0" smtClean="0"/>
-              <a:t>Registry server collects heartbeats, maintains registry of available services/instances, exchanges registries with local peers + other “zones”</a:t>
-            </a:r>
+            <a:endParaRPr lang="en-US" sz="1800" b="1" dirty="0"/>
           </a:p>
           <a:p>
             <a:pPr lvl="0" fontAlgn="base"/>
-            <a:endParaRPr lang="en-US" sz="1800" b="1" dirty="0" smtClean="0"/>
-          </a:p>
-          <a:p>
-            <a:pPr lvl="0" fontAlgn="base"/>
-            <a:r>
-              <a:rPr lang="en-US" sz="1800" b="1" dirty="0" smtClean="0"/>
+            <a:r>
+              <a:rPr lang="en-US" sz="1800" b="1" dirty="0"/>
               <a:t>Registry contains detailed information about each service</a:t>
             </a:r>
           </a:p>
           <a:p>
             <a:pPr lvl="1" fontAlgn="base"/>
             <a:r>
-              <a:rPr lang="en-US" sz="1400" b="1" dirty="0" smtClean="0"/>
+              <a:rPr lang="en-US" sz="1400" b="1" dirty="0"/>
               <a:t>Service name, Host &amp; port of each instance</a:t>
             </a:r>
           </a:p>
           <a:p>
             <a:pPr lvl="1" fontAlgn="base"/>
             <a:r>
-              <a:rPr lang="en-US" sz="1400" b="1" dirty="0" smtClean="0"/>
+              <a:rPr lang="en-US" sz="1400" b="1" dirty="0"/>
               <a:t>Health indicator, URLs (health, homepage, </a:t>
             </a:r>
             <a:r>
-              <a:rPr lang="en-US" sz="1400" b="1" dirty="0" err="1" smtClean="0"/>
+              <a:rPr lang="en-US" sz="1400" b="1" dirty="0" err="1"/>
               <a:t>etc</a:t>
             </a:r>
             <a:r>
-              <a:rPr lang="en-US" sz="1400" b="1" dirty="0" smtClean="0"/>
+              <a:rPr lang="en-US" sz="1400" b="1" dirty="0"/>
               <a:t>)</a:t>
             </a:r>
             <a:br>
-              <a:rPr lang="en-US" sz="1400" b="1" dirty="0" smtClean="0"/>
+              <a:rPr lang="en-US" sz="1400" b="1" dirty="0"/>
             </a:br>
             <a:endParaRPr lang="en-US" sz="1800" dirty="0"/>
           </a:p>
@@ -11160,11 +9408,11 @@
               <a:t>Embeddable easily in a Spring Boot application using @</a:t>
             </a:r>
             <a:r>
-              <a:rPr lang="en-US" sz="1800" b="1" dirty="0" err="1" smtClean="0"/>
+              <a:rPr lang="en-US" sz="1800" b="1" dirty="0" err="1"/>
               <a:t>EnableEurekaServer</a:t>
             </a:r>
             <a:r>
-              <a:rPr lang="en-US" sz="1800" b="1" dirty="0" smtClean="0"/>
+              <a:rPr lang="en-US" sz="1800" b="1" dirty="0"/>
               <a:t> and @EnableDiscoveryClient</a:t>
             </a:r>
             <a:endParaRPr lang="en-US" sz="1800" dirty="0"/>
@@ -11181,21 +9429,6 @@
   <p:clrMapOvr>
     <a:masterClrMapping/>
   </p:clrMapOvr>
-  <mc:AlternateContent xmlns:mc="http://schemas.openxmlformats.org/markup-compatibility/2006" xmlns:p14="http://schemas.microsoft.com/office/powerpoint/2010/main">
-    <mc:Choice Requires="p14">
-      <p:transition spd="slow" p14:dur="2000"/>
-    </mc:Choice>
-    <mc:Fallback xmlns="">
-      <p:transition xmlns:p14="http://schemas.microsoft.com/office/powerpoint/2010/main" spd="slow"/>
-    </mc:Fallback>
-  </mc:AlternateContent>
-  <p:timing>
-    <p:tnLst>
-      <p:par>
-        <p:cTn xmlns:p14="http://schemas.microsoft.com/office/powerpoint/2010/main" id="1" dur="indefinite" restart="never" nodeType="tmRoot"/>
-      </p:par>
-    </p:tnLst>
-  </p:timing>
 </p:sld>
 </file>
 
@@ -11232,10 +9465,9 @@
           <a:lstStyle/>
           <a:p>
             <a:r>
-              <a:rPr lang="en-US" dirty="0" smtClean="0"/>
+              <a:rPr lang="en-US" dirty="0"/>
               <a:t>Service Registry – Availability Zones</a:t>
             </a:r>
-            <a:endParaRPr lang="en-US" dirty="0"/>
           </a:p>
         </p:txBody>
       </p:sp>
@@ -11523,10 +9755,9 @@
             <a:p>
               <a:pPr algn="ctr"/>
               <a:r>
-                <a:rPr lang="en-US" sz="1400" dirty="0" smtClean="0"/>
+                <a:rPr lang="en-US" sz="1400" dirty="0"/>
                 <a:t>Service Registry</a:t>
               </a:r>
-              <a:endParaRPr lang="en-US" sz="1400" dirty="0"/>
             </a:p>
           </p:txBody>
         </p:sp>
@@ -11805,7 +10036,7 @@
             <a:p>
               <a:pPr algn="ctr"/>
               <a:r>
-                <a:rPr lang="en-US" sz="1400" dirty="0" smtClean="0"/>
+                <a:rPr lang="en-US" sz="1400" dirty="0"/>
                 <a:t>Client</a:t>
               </a:r>
             </a:p>
@@ -11900,10 +10131,9 @@
             <a:p>
               <a:pPr algn="ctr"/>
               <a:r>
-                <a:rPr lang="en-US" sz="1400" dirty="0" smtClean="0"/>
+                <a:rPr lang="en-US" sz="1400" dirty="0"/>
                 <a:t>Service</a:t>
               </a:r>
-              <a:endParaRPr lang="en-US" sz="1400" dirty="0"/>
             </a:p>
           </p:txBody>
         </p:sp>
@@ -11996,10 +10226,9 @@
             <a:p>
               <a:pPr algn="ctr"/>
               <a:r>
-                <a:rPr lang="en-US" sz="1400" dirty="0" smtClean="0"/>
+                <a:rPr lang="en-US" sz="1400" dirty="0"/>
                 <a:t>Client</a:t>
               </a:r>
-              <a:endParaRPr lang="en-US" sz="1400" dirty="0"/>
             </a:p>
           </p:txBody>
         </p:sp>
@@ -12092,10 +10321,9 @@
             <a:p>
               <a:pPr algn="ctr"/>
               <a:r>
-                <a:rPr lang="en-US" sz="1400" dirty="0" smtClean="0"/>
+                <a:rPr lang="en-US" sz="1400" dirty="0"/>
                 <a:t>Service</a:t>
               </a:r>
-              <a:endParaRPr lang="en-US" sz="1400" dirty="0"/>
             </a:p>
           </p:txBody>
         </p:sp>
@@ -12122,18 +10350,13 @@
             <a:lstStyle/>
             <a:p>
               <a:r>
-                <a:rPr lang="en-US" b="1" dirty="0" smtClean="0">
+                <a:rPr lang="en-US" b="1" dirty="0">
                   <a:solidFill>
                     <a:schemeClr val="bg1"/>
                   </a:solidFill>
                 </a:rPr>
                 <a:t>West ‘Zone’</a:t>
               </a:r>
-              <a:endParaRPr lang="en-US" b="1" dirty="0">
-                <a:solidFill>
-                  <a:schemeClr val="bg1"/>
-                </a:solidFill>
-              </a:endParaRPr>
             </a:p>
           </p:txBody>
         </p:sp>
@@ -12160,18 +10383,13 @@
             <a:lstStyle/>
             <a:p>
               <a:r>
-                <a:rPr lang="en-US" b="1" dirty="0" smtClean="0">
+                <a:rPr lang="en-US" b="1" dirty="0">
                   <a:solidFill>
                     <a:schemeClr val="bg1"/>
                   </a:solidFill>
                 </a:rPr>
                 <a:t>East ‘Zone’</a:t>
               </a:r>
-              <a:endParaRPr lang="en-US" b="1" dirty="0">
-                <a:solidFill>
-                  <a:schemeClr val="bg1"/>
-                </a:solidFill>
-              </a:endParaRPr>
             </a:p>
           </p:txBody>
         </p:sp>
@@ -12443,18 +10661,13 @@
             <a:lstStyle/>
             <a:p>
               <a:r>
-                <a:rPr lang="en-US" sz="1200" dirty="0" smtClean="0">
+                <a:rPr lang="en-US" sz="1200" dirty="0">
                   <a:solidFill>
                     <a:schemeClr val="bg1"/>
                   </a:solidFill>
                 </a:rPr>
                 <a:t>Register</a:t>
               </a:r>
-              <a:endParaRPr lang="en-US" sz="1200" dirty="0">
-                <a:solidFill>
-                  <a:schemeClr val="bg1"/>
-                </a:solidFill>
-              </a:endParaRPr>
             </a:p>
           </p:txBody>
         </p:sp>
@@ -12481,18 +10694,13 @@
             <a:lstStyle/>
             <a:p>
               <a:r>
-                <a:rPr lang="en-US" sz="1200" dirty="0" smtClean="0">
+                <a:rPr lang="en-US" sz="1200" dirty="0">
                   <a:solidFill>
                     <a:schemeClr val="bg1"/>
                   </a:solidFill>
                 </a:rPr>
                 <a:t>Register</a:t>
               </a:r>
-              <a:endParaRPr lang="en-US" sz="1200" dirty="0">
-                <a:solidFill>
-                  <a:schemeClr val="bg1"/>
-                </a:solidFill>
-              </a:endParaRPr>
             </a:p>
           </p:txBody>
         </p:sp>
@@ -12519,18 +10727,13 @@
             <a:lstStyle/>
             <a:p>
               <a:r>
-                <a:rPr lang="en-US" sz="1200" dirty="0" smtClean="0">
+                <a:rPr lang="en-US" sz="1200" dirty="0">
                   <a:solidFill>
                     <a:schemeClr val="bg1"/>
                   </a:solidFill>
                 </a:rPr>
                 <a:t>Exchange</a:t>
               </a:r>
-              <a:endParaRPr lang="en-US" sz="1200" dirty="0">
-                <a:solidFill>
-                  <a:schemeClr val="bg1"/>
-                </a:solidFill>
-              </a:endParaRPr>
             </a:p>
           </p:txBody>
         </p:sp>
@@ -12609,18 +10812,13 @@
             <a:lstStyle/>
             <a:p>
               <a:r>
-                <a:rPr lang="en-US" sz="1200" dirty="0" smtClean="0">
+                <a:rPr lang="en-US" sz="1200" dirty="0">
                   <a:solidFill>
                     <a:schemeClr val="bg1"/>
                   </a:solidFill>
                 </a:rPr>
                 <a:t>Discover</a:t>
               </a:r>
-              <a:endParaRPr lang="en-US" sz="1200" dirty="0">
-                <a:solidFill>
-                  <a:schemeClr val="bg1"/>
-                </a:solidFill>
-              </a:endParaRPr>
             </a:p>
           </p:txBody>
         </p:sp>
@@ -12701,18 +10899,13 @@
             <a:lstStyle/>
             <a:p>
               <a:r>
-                <a:rPr lang="en-US" sz="1200" dirty="0" smtClean="0">
+                <a:rPr lang="en-US" sz="1200" dirty="0">
                   <a:solidFill>
                     <a:schemeClr val="bg1"/>
                   </a:solidFill>
                 </a:rPr>
                 <a:t>Connect</a:t>
               </a:r>
-              <a:endParaRPr lang="en-US" sz="1200" dirty="0">
-                <a:solidFill>
-                  <a:schemeClr val="bg1"/>
-                </a:solidFill>
-              </a:endParaRPr>
             </a:p>
           </p:txBody>
         </p:sp>
@@ -12739,7 +10932,7 @@
           <a:lstStyle/>
           <a:p>
             <a:r>
-              <a:rPr lang="en-US" sz="6000" b="1" dirty="0" smtClean="0">
+              <a:rPr lang="en-US" sz="6000" b="1" dirty="0">
                 <a:solidFill>
                   <a:srgbClr val="FF0000"/>
                 </a:solidFill>
@@ -12750,7 +10943,7 @@
               <a:t>✗</a:t>
             </a:r>
             <a:r>
-              <a:rPr lang="en-US" sz="6000" b="1" dirty="0" smtClean="0">
+              <a:rPr lang="en-US" sz="6000" b="1" dirty="0">
                 <a:solidFill>
                   <a:srgbClr val="FF0000"/>
                 </a:solidFill>
@@ -12791,7 +10984,7 @@
           <a:lstStyle/>
           <a:p>
             <a:r>
-              <a:rPr lang="en-US" sz="3200" b="1" dirty="0" smtClean="0">
+              <a:rPr lang="en-US" sz="3200" b="1" dirty="0">
                 <a:solidFill>
                   <a:srgbClr val="FF0000"/>
                 </a:solidFill>
@@ -12802,7 +10995,7 @@
               <a:t>✗</a:t>
             </a:r>
             <a:r>
-              <a:rPr lang="en-US" sz="3200" b="1" dirty="0" smtClean="0">
+              <a:rPr lang="en-US" sz="3200" b="1" dirty="0">
                 <a:solidFill>
                   <a:srgbClr val="FF0000"/>
                 </a:solidFill>
@@ -12834,7 +11027,7 @@
   <p:timing>
     <p:tnLst>
       <p:par>
-        <p:cTn xmlns:p14="http://schemas.microsoft.com/office/powerpoint/2010/main" id="1" dur="indefinite" restart="never" nodeType="tmRoot">
+        <p:cTn id="1" dur="indefinite" restart="never" nodeType="tmRoot">
           <p:childTnLst>
             <p:seq concurrent="1" nextAc="seek">
               <p:cTn id="2" dur="indefinite" nodeType="mainSeq">
@@ -13180,7 +11373,7 @@
           <a:lstStyle/>
           <a:p>
             <a:r>
-              <a:rPr lang="en-US" dirty="0" smtClean="0"/>
+              <a:rPr lang="en-US" dirty="0"/>
               <a:t>Client Service Discovery</a:t>
             </a:r>
             <a:endParaRPr lang="en-US" dirty="0">
@@ -13223,22 +11416,12 @@
                 <a:latin typeface="Courier New"/>
                 <a:cs typeface="Courier New"/>
               </a:rPr>
-              <a:t>@</a:t>
-            </a:r>
-            <a:r>
-              <a:rPr lang="en-US" sz="1200" b="1" dirty="0" smtClean="0">
-                <a:solidFill>
-                  <a:srgbClr val="008774"/>
-                </a:solidFill>
-                <a:latin typeface="Courier New"/>
-                <a:cs typeface="Courier New"/>
-              </a:rPr>
-              <a:t>SpringBootApplication</a:t>
-            </a:r>
-          </a:p>
-          <a:p>
-            <a:r>
-              <a:rPr lang="en-US" sz="1200" b="1" dirty="0" smtClean="0">
+              <a:t>@SpringBootApplication</a:t>
+            </a:r>
+          </a:p>
+          <a:p>
+            <a:r>
+              <a:rPr lang="en-US" sz="1200" b="1" dirty="0">
                 <a:solidFill>
                   <a:srgbClr val="008774"/>
                 </a:solidFill>
@@ -13247,7 +11430,7 @@
               </a:rPr>
               <a:t>@EnableDiscoveryClient</a:t>
             </a:r>
-            <a:endParaRPr lang="en-US" sz="1200" b="1" dirty="0" smtClean="0">
+            <a:endParaRPr lang="en-US" sz="1200" b="1" dirty="0">
               <a:solidFill>
                 <a:srgbClr val="FF0000"/>
               </a:solidFill>
@@ -13257,21 +11440,14 @@
           </a:p>
           <a:p>
             <a:r>
-              <a:rPr lang="en-US" sz="1200" dirty="0" smtClean="0">
-                <a:latin typeface="Courier New"/>
-                <a:cs typeface="Courier New"/>
-              </a:rPr>
-              <a:t>public </a:t>
-            </a:r>
-            <a:r>
               <a:rPr lang="en-US" sz="1200" dirty="0">
                 <a:latin typeface="Courier New"/>
                 <a:cs typeface="Courier New"/>
               </a:rPr>
-              <a:t>class </a:t>
-            </a:r>
-            <a:r>
-              <a:rPr lang="en-US" sz="1200" dirty="0" smtClean="0">
+              <a:t>public class </a:t>
+            </a:r>
+            <a:r>
+              <a:rPr lang="en-US" sz="1200" dirty="0">
                 <a:solidFill>
                   <a:schemeClr val="accent3"/>
                 </a:solidFill>
@@ -13281,7 +11457,7 @@
               <a:t>MyClientApp</a:t>
             </a:r>
             <a:r>
-              <a:rPr lang="en-US" sz="1200" dirty="0" smtClean="0">
+              <a:rPr lang="en-US" sz="1200" dirty="0">
                 <a:latin typeface="Courier New"/>
                 <a:cs typeface="Courier New"/>
               </a:rPr>
@@ -13290,18 +11466,11 @@
           </a:p>
           <a:p>
             <a:r>
-              <a:rPr lang="en-US" sz="1200" dirty="0" smtClean="0">
-                <a:latin typeface="Courier New"/>
-                <a:cs typeface="Courier New"/>
-              </a:rPr>
-              <a:t>   </a:t>
-            </a:r>
-            <a:r>
               <a:rPr lang="en-US" sz="1200" dirty="0">
                 <a:latin typeface="Courier New"/>
                 <a:cs typeface="Courier New"/>
               </a:rPr>
-              <a:t>public static </a:t>
+              <a:t>   public static </a:t>
             </a:r>
             <a:r>
               <a:rPr lang="en-US" sz="1200" dirty="0">
@@ -13320,40 +11489,19 @@
                 <a:latin typeface="Courier New"/>
                 <a:cs typeface="Courier New"/>
               </a:rPr>
-              <a:t> main(String[] </a:t>
-            </a:r>
-            <a:r>
-              <a:rPr lang="en-US" sz="1200" dirty="0" smtClean="0">
-                <a:latin typeface="Courier New"/>
-                <a:cs typeface="Courier New"/>
-              </a:rPr>
-              <a:t>args</a:t>
-            </a:r>
+              <a:t> main(String[] args) {</a:t>
+            </a:r>
+          </a:p>
+          <a:p>
             <a:r>
               <a:rPr lang="en-US" sz="1200" dirty="0">
                 <a:latin typeface="Courier New"/>
                 <a:cs typeface="Courier New"/>
               </a:rPr>
-              <a:t>) </a:t>
-            </a:r>
-            <a:r>
-              <a:rPr lang="en-US" sz="1200" dirty="0" smtClean="0">
-                <a:latin typeface="Courier New"/>
-                <a:cs typeface="Courier New"/>
-              </a:rPr>
-              <a:t>{</a:t>
-            </a:r>
-          </a:p>
-          <a:p>
-            <a:r>
-              <a:rPr lang="en-US" sz="1200" dirty="0" smtClean="0">
-                <a:latin typeface="Courier New"/>
-                <a:cs typeface="Courier New"/>
-              </a:rPr>
               <a:t>     SpringApplication.run(MyClientApp</a:t>
             </a:r>
             <a:r>
-              <a:rPr lang="en-US" sz="1200" dirty="0" smtClean="0">
+              <a:rPr lang="en-US" sz="1200" dirty="0">
                 <a:solidFill>
                   <a:srgbClr val="1F6FB8"/>
                 </a:solidFill>
@@ -13363,30 +11511,16 @@
               <a:t>.class</a:t>
             </a:r>
             <a:r>
-              <a:rPr lang="en-US" sz="1200" dirty="0" smtClean="0">
-                <a:latin typeface="Courier New"/>
-                <a:cs typeface="Courier New"/>
-              </a:rPr>
-              <a:t>, </a:t>
-            </a:r>
-            <a:r>
               <a:rPr lang="en-US" sz="1200" dirty="0">
                 <a:latin typeface="Courier New"/>
                 <a:cs typeface="Courier New"/>
               </a:rPr>
-              <a:t>args)</a:t>
-            </a:r>
-            <a:r>
-              <a:rPr lang="en-US" sz="1200" dirty="0" smtClean="0">
-                <a:latin typeface="Courier New"/>
-                <a:cs typeface="Courier New"/>
-              </a:rPr>
-              <a:t>;</a:t>
-            </a:r>
-          </a:p>
-          <a:p>
-            <a:r>
-              <a:rPr lang="en-US" sz="1200" dirty="0" smtClean="0">
+              <a:t>, args);</a:t>
+            </a:r>
+          </a:p>
+          <a:p>
+            <a:r>
+              <a:rPr lang="en-US" sz="1200" dirty="0">
                 <a:latin typeface="Courier New"/>
                 <a:cs typeface="Courier New"/>
               </a:rPr>
@@ -13395,16 +11529,12 @@
           </a:p>
           <a:p>
             <a:r>
-              <a:rPr lang="en-US" sz="1200" dirty="0" smtClean="0">
+              <a:rPr lang="en-US" sz="1200" dirty="0">
                 <a:latin typeface="Courier New"/>
                 <a:cs typeface="Courier New"/>
               </a:rPr>
               <a:t>}</a:t>
             </a:r>
-            <a:endParaRPr lang="en-US" sz="1200" dirty="0">
-              <a:latin typeface="Courier New"/>
-              <a:cs typeface="Courier New"/>
-            </a:endParaRPr>
           </a:p>
         </p:txBody>
       </p:sp>
@@ -13437,17 +11567,10 @@
                 <a:latin typeface="Courier New"/>
                 <a:cs typeface="Courier New"/>
               </a:rPr>
-              <a:t> </a:t>
-            </a:r>
-            <a:r>
-              <a:rPr lang="en-US" sz="1200" dirty="0" smtClean="0">
-                <a:latin typeface="Courier New"/>
-                <a:cs typeface="Courier New"/>
-              </a:rPr>
-              <a:t>  public Portfolio </a:t>
-            </a:r>
-            <a:r>
-              <a:rPr lang="en-US" sz="1200" dirty="0" smtClean="0">
+              <a:t>   public Portfolio </a:t>
+            </a:r>
+            <a:r>
+              <a:rPr lang="en-US" sz="1200" dirty="0">
                 <a:solidFill>
                   <a:srgbClr val="77933C"/>
                 </a:solidFill>
@@ -13457,25 +11580,11 @@
               <a:t>accountLookup</a:t>
             </a:r>
             <a:r>
-              <a:rPr lang="en-US" sz="1200" dirty="0" smtClean="0">
-                <a:latin typeface="Courier New"/>
-                <a:cs typeface="Courier New"/>
-              </a:rPr>
-              <a:t>(</a:t>
-            </a:r>
-            <a:r>
               <a:rPr lang="en-US" sz="1200" dirty="0">
                 <a:latin typeface="Courier New"/>
                 <a:cs typeface="Courier New"/>
               </a:rPr>
-              <a:t>String</a:t>
-            </a:r>
-            <a:r>
-              <a:rPr lang="en-US" sz="1200" dirty="0" smtClean="0">
-                <a:latin typeface="Courier New"/>
-                <a:cs typeface="Courier New"/>
-              </a:rPr>
-              <a:t>[acctId) {</a:t>
+              <a:t>(String[acctId) {</a:t>
             </a:r>
           </a:p>
           <a:p>
@@ -13484,14 +11593,7 @@
                 <a:latin typeface="Courier New"/>
                 <a:cs typeface="Courier New"/>
               </a:rPr>
-              <a:t> </a:t>
-            </a:r>
-            <a:r>
-              <a:rPr lang="en-US" sz="1200" dirty="0" smtClean="0">
-                <a:latin typeface="Courier New"/>
-                <a:cs typeface="Courier New"/>
-              </a:rPr>
-              <a:t>     Portfolio p = restTemplate.getForObject(</a:t>
+              <a:t>      Portfolio p = restTemplate.getForObject(</a:t>
             </a:r>
           </a:p>
           <a:p>
@@ -13500,17 +11602,10 @@
                 <a:latin typeface="Courier New"/>
                 <a:cs typeface="Courier New"/>
               </a:rPr>
-              <a:t>	</a:t>
-            </a:r>
-            <a:r>
-              <a:rPr lang="en-US" sz="1200" dirty="0" smtClean="0">
-                <a:latin typeface="Courier New"/>
-                <a:cs typeface="Courier New"/>
-              </a:rPr>
-              <a:t>    </a:t>
-            </a:r>
-            <a:r>
-              <a:rPr lang="en-US" sz="1200" dirty="0" smtClean="0">
+              <a:t>	    </a:t>
+            </a:r>
+            <a:r>
+              <a:rPr lang="en-US" sz="1200" dirty="0">
                 <a:latin typeface="Courier New"/>
                 <a:cs typeface="Courier New"/>
                 <a:hlinkClick r:id="rId3"/>
@@ -13518,7 +11613,7 @@
               <a:t>“http://portfolio-service/portfolio/{accId}</a:t>
             </a:r>
             <a:r>
-              <a:rPr lang="en-US" sz="1200" dirty="0" smtClean="0">
+              <a:rPr lang="en-US" sz="1200" dirty="0">
                 <a:latin typeface="Courier New"/>
                 <a:cs typeface="Courier New"/>
               </a:rPr>
@@ -13531,14 +11626,7 @@
                 <a:latin typeface="Courier New"/>
                 <a:cs typeface="Courier New"/>
               </a:rPr>
-              <a:t>	 </a:t>
-            </a:r>
-            <a:r>
-              <a:rPr lang="en-US" sz="1200" dirty="0" smtClean="0">
-                <a:latin typeface="Courier New"/>
-                <a:cs typeface="Courier New"/>
-              </a:rPr>
-              <a:t>   Portfolio.class</a:t>
+              <a:t>	    Portfolio.class</a:t>
             </a:r>
           </a:p>
           <a:p>
@@ -13547,23 +11635,12 @@
                 <a:latin typeface="Courier New"/>
                 <a:cs typeface="Courier New"/>
               </a:rPr>
-              <a:t>	</a:t>
-            </a:r>
-            <a:r>
-              <a:rPr lang="en-US" sz="1200" dirty="0" smtClean="0">
-                <a:latin typeface="Courier New"/>
-                <a:cs typeface="Courier New"/>
-              </a:rPr>
-              <a:t>    acctId);</a:t>
-            </a:r>
-            <a:endParaRPr lang="en-US" sz="1200" dirty="0">
-              <a:latin typeface="Courier New"/>
-              <a:cs typeface="Courier New"/>
-            </a:endParaRPr>
-          </a:p>
-          <a:p>
-            <a:r>
-              <a:rPr lang="en-US" sz="1200" dirty="0" smtClean="0">
+              <a:t>	    acctId);</a:t>
+            </a:r>
+          </a:p>
+          <a:p>
+            <a:r>
+              <a:rPr lang="en-US" sz="1200" dirty="0">
                 <a:latin typeface="Courier New"/>
                 <a:cs typeface="Courier New"/>
               </a:rPr>
@@ -13572,16 +11649,12 @@
           </a:p>
           <a:p>
             <a:r>
-              <a:rPr lang="en-US" sz="1200" dirty="0" smtClean="0">
+              <a:rPr lang="en-US" sz="1200" dirty="0">
                 <a:latin typeface="Courier New"/>
                 <a:cs typeface="Courier New"/>
               </a:rPr>
               <a:t>   }</a:t>
             </a:r>
-            <a:endParaRPr lang="en-US" sz="1200" dirty="0">
-              <a:latin typeface="Courier New"/>
-              <a:cs typeface="Courier New"/>
-            </a:endParaRPr>
           </a:p>
         </p:txBody>
       </p:sp>
@@ -13608,7 +11681,7 @@
           <a:lstStyle/>
           <a:p>
             <a:r>
-              <a:rPr lang="en-US" sz="1200" b="1" dirty="0" smtClean="0">
+              <a:rPr lang="en-US" sz="1200" b="1" dirty="0">
                 <a:solidFill>
                   <a:srgbClr val="FF0000"/>
                 </a:solidFill>
@@ -13616,18 +11689,7 @@
                 <a:cs typeface="Courier New"/>
                 <a:sym typeface="Wingdings"/>
               </a:rPr>
-              <a:t> </a:t>
-            </a:r>
-            <a:r>
-              <a:rPr lang="en-US" sz="1200" b="1" dirty="0">
-                <a:solidFill>
-                  <a:srgbClr val="FF0000"/>
-                </a:solidFill>
-                <a:latin typeface="Courier New"/>
-                <a:cs typeface="Courier New"/>
-                <a:sym typeface="Wingdings"/>
-              </a:rPr>
-              <a:t>MAGIC!!</a:t>
+              <a:t> MAGIC!!</a:t>
             </a:r>
             <a:endParaRPr lang="en-US" sz="1200" b="1" dirty="0">
               <a:solidFill>
@@ -13704,7 +11766,7 @@
           <a:lstStyle/>
           <a:p>
             <a:r>
-              <a:rPr lang="en-US" sz="1200" b="1" dirty="0" smtClean="0">
+              <a:rPr lang="en-US" sz="1200" b="1" dirty="0">
                 <a:solidFill>
                   <a:srgbClr val="FF0000"/>
                 </a:solidFill>
@@ -13712,18 +11774,7 @@
                 <a:cs typeface="Courier New"/>
                 <a:sym typeface="Wingdings"/>
               </a:rPr>
-              <a:t> </a:t>
-            </a:r>
-            <a:r>
-              <a:rPr lang="en-US" sz="1200" b="1" dirty="0">
-                <a:solidFill>
-                  <a:srgbClr val="FF0000"/>
-                </a:solidFill>
-                <a:latin typeface="Courier New"/>
-                <a:cs typeface="Courier New"/>
-                <a:sym typeface="Wingdings"/>
-              </a:rPr>
-              <a:t>MAGIC!!</a:t>
+              <a:t> MAGIC!!</a:t>
             </a:r>
             <a:endParaRPr lang="en-US" sz="1200" b="1" dirty="0">
               <a:solidFill>
@@ -13811,18 +11862,10 @@
   <p:clrMapOvr>
     <a:masterClrMapping/>
   </p:clrMapOvr>
-  <mc:AlternateContent xmlns:mc="http://schemas.openxmlformats.org/markup-compatibility/2006" xmlns:p14="http://schemas.microsoft.com/office/powerpoint/2010/main">
-    <mc:Choice Requires="p14">
-      <p:transition spd="slow" p14:dur="2000"/>
-    </mc:Choice>
-    <mc:Fallback xmlns="">
-      <p:transition xmlns:p14="http://schemas.microsoft.com/office/powerpoint/2010/main" spd="slow"/>
-    </mc:Fallback>
-  </mc:AlternateContent>
   <p:timing>
     <p:tnLst>
       <p:par>
-        <p:cTn xmlns:p14="http://schemas.microsoft.com/office/powerpoint/2010/main" id="1" dur="indefinite" restart="never" nodeType="tmRoot">
+        <p:cTn id="1" dur="indefinite" restart="never" nodeType="tmRoot">
           <p:childTnLst>
             <p:seq concurrent="1" nextAc="seek">
               <p:cTn id="2" dur="indefinite" nodeType="mainSeq">
@@ -14020,7 +12063,7 @@
           <a:lstStyle/>
           <a:p>
             <a:r>
-              <a:rPr lang="en-US" dirty="0" smtClean="0"/>
+              <a:rPr lang="en-US" dirty="0"/>
               <a:t>Spring Cloud Services: Service Registry</a:t>
             </a:r>
             <a:endParaRPr lang="en-US" dirty="0">
@@ -14058,7 +12101,7 @@
               <a:buChar char="•"/>
             </a:pPr>
             <a:r>
-              <a:rPr lang="en-US" dirty="0" smtClean="0">
+              <a:rPr lang="en-US" dirty="0">
                 <a:solidFill>
                   <a:srgbClr val="FFFFFF"/>
                 </a:solidFill>
@@ -14066,7 +12109,7 @@
               <a:t>Automated deployment of server component</a:t>
             </a:r>
             <a:br>
-              <a:rPr lang="en-US" dirty="0" smtClean="0">
+              <a:rPr lang="en-US" dirty="0">
                 <a:solidFill>
                   <a:srgbClr val="FFFFFF"/>
                 </a:solidFill>
@@ -14084,7 +12127,7 @@
               <a:buChar char="•"/>
             </a:pPr>
             <a:r>
-              <a:rPr lang="en-US" dirty="0" smtClean="0">
+              <a:rPr lang="en-US" dirty="0">
                 <a:solidFill>
                   <a:srgbClr val="FFFFFF"/>
                 </a:solidFill>
@@ -14109,7 +12152,7 @@
               <a:buChar char="•"/>
             </a:pPr>
             <a:r>
-              <a:rPr lang="en-US" dirty="0" smtClean="0">
+              <a:rPr lang="en-US" dirty="0">
                 <a:solidFill>
                   <a:srgbClr val="FFFFFF"/>
                 </a:solidFill>
@@ -14122,7 +12165,7 @@
               <a:buFont typeface="Arial"/>
               <a:buChar char="•"/>
             </a:pPr>
-            <a:endParaRPr lang="en-US" dirty="0" smtClean="0">
+            <a:endParaRPr lang="en-US" dirty="0">
               <a:solidFill>
                 <a:srgbClr val="FFFFFF"/>
               </a:solidFill>
@@ -14134,7 +12177,7 @@
               <a:buChar char="•"/>
             </a:pPr>
             <a:r>
-              <a:rPr lang="en-US" dirty="0" smtClean="0">
+              <a:rPr lang="en-US" dirty="0">
                 <a:solidFill>
                   <a:srgbClr val="FFFFFF"/>
                 </a:solidFill>
@@ -14142,14 +12185,14 @@
               <a:t>Cloud Connectors for auto</a:t>
             </a:r>
             <a:r>
-              <a:rPr lang="en-US" smtClean="0">
+              <a:rPr lang="en-US">
                 <a:solidFill>
                   <a:srgbClr val="FFFFFF"/>
                 </a:solidFill>
               </a:rPr>
               <a:t>-reconfiguration</a:t>
             </a:r>
-            <a:endParaRPr lang="en-US" dirty="0" smtClean="0">
+            <a:endParaRPr lang="en-US" dirty="0">
               <a:solidFill>
                 <a:srgbClr val="FFFFFF"/>
               </a:solidFill>
@@ -14191,21 +12234,6 @@
   <p:clrMapOvr>
     <a:masterClrMapping/>
   </p:clrMapOvr>
-  <mc:AlternateContent xmlns:mc="http://schemas.openxmlformats.org/markup-compatibility/2006" xmlns:p14="http://schemas.microsoft.com/office/powerpoint/2010/main">
-    <mc:Choice Requires="p14">
-      <p:transition spd="slow" p14:dur="2000"/>
-    </mc:Choice>
-    <mc:Fallback xmlns="">
-      <p:transition xmlns:p14="http://schemas.microsoft.com/office/powerpoint/2010/main" spd="slow"/>
-    </mc:Fallback>
-  </mc:AlternateContent>
-  <p:timing>
-    <p:tnLst>
-      <p:par>
-        <p:cTn xmlns:p14="http://schemas.microsoft.com/office/powerpoint/2010/main" id="1" dur="indefinite" restart="never" nodeType="tmRoot"/>
-      </p:par>
-    </p:tnLst>
-  </p:timing>
 </p:sld>
 </file>
 
@@ -14242,10 +12270,9 @@
           <a:lstStyle/>
           <a:p>
             <a:r>
-              <a:rPr lang="en-US" dirty="0" smtClean="0"/>
+              <a:rPr lang="en-US" dirty="0"/>
               <a:t>Spring Cloud: Client-side Load Balancing</a:t>
             </a:r>
-            <a:endParaRPr lang="en-US" dirty="0"/>
           </a:p>
         </p:txBody>
       </p:sp>
@@ -14265,96 +12292,72 @@
           <a:lstStyle/>
           <a:p>
             <a:r>
-              <a:rPr lang="en-US" sz="1800" b="1" dirty="0" smtClean="0"/>
+              <a:rPr lang="en-US" sz="1800" b="1" dirty="0"/>
               <a:t>Eureka </a:t>
             </a:r>
             <a:r>
-              <a:rPr lang="en-US" sz="1800" b="1" i="1" u="sng" dirty="0" smtClean="0"/>
+              <a:rPr lang="en-US" sz="1800" b="1" i="1" u="sng" dirty="0"/>
               <a:t>only</a:t>
             </a:r>
             <a:r>
-              <a:rPr lang="en-US" sz="1800" b="1" dirty="0" smtClean="0"/>
+              <a:rPr lang="en-US" sz="1800" b="1" dirty="0"/>
               <a:t> provides registry + discovery</a:t>
             </a:r>
             <a:br>
-              <a:rPr lang="en-US" sz="1800" b="1" dirty="0" smtClean="0"/>
+              <a:rPr lang="en-US" sz="1800" b="1" dirty="0"/>
             </a:br>
-            <a:endParaRPr lang="en-US" sz="1800" b="1" dirty="0" smtClean="0"/>
-          </a:p>
-          <a:p>
-            <a:r>
-              <a:rPr lang="en-US" sz="1800" b="1" dirty="0" smtClean="0"/>
-              <a:t>Ribbon </a:t>
-            </a:r>
+            <a:endParaRPr lang="en-US" sz="1800" b="1" dirty="0"/>
+          </a:p>
+          <a:p>
             <a:r>
               <a:rPr lang="en-US" sz="1800" b="1" dirty="0"/>
-              <a:t>is a </a:t>
+              <a:t>Ribbon is a </a:t>
             </a:r>
             <a:r>
               <a:rPr lang="en-US" sz="1800" b="1" i="1" u="sng" dirty="0"/>
-              <a:t>client side </a:t>
-            </a:r>
-            <a:r>
-              <a:rPr lang="en-US" sz="1800" b="1" i="1" u="sng" dirty="0" smtClean="0"/>
-              <a:t>LB </a:t>
-            </a:r>
-            <a:r>
-              <a:rPr lang="en-US" sz="1800" b="1" dirty="0" smtClean="0"/>
-              <a:t>providing </a:t>
+              <a:t>client side LB </a:t>
             </a:r>
             <a:r>
               <a:rPr lang="en-US" sz="1800" b="1" dirty="0"/>
-              <a:t>control over the </a:t>
-            </a:r>
-            <a:r>
-              <a:rPr lang="en-US" sz="1800" b="1" dirty="0" smtClean="0"/>
-              <a:t>behavior </a:t>
-            </a:r>
-            <a:r>
-              <a:rPr lang="en-US" sz="1800" b="1" dirty="0"/>
-              <a:t>of HTTP and TCP </a:t>
-            </a:r>
-            <a:r>
-              <a:rPr lang="en-US" sz="1800" b="1" dirty="0" smtClean="0"/>
-              <a:t>clients</a:t>
+              <a:t>providing control over the behavior of HTTP and TCP clients</a:t>
             </a:r>
           </a:p>
           <a:p>
             <a:pPr lvl="1"/>
             <a:r>
-              <a:rPr lang="en-US" sz="1400" dirty="0" smtClean="0"/>
+              <a:rPr lang="en-US" sz="1400" dirty="0"/>
               <a:t>Pick right LB algorithm for client application + extensible algorithms</a:t>
             </a:r>
           </a:p>
           <a:p>
             <a:pPr lvl="1"/>
             <a:r>
-              <a:rPr lang="en-US" sz="1400" dirty="0" smtClean="0"/>
+              <a:rPr lang="en-US" sz="1400" dirty="0"/>
               <a:t>At least 1 less hop for client requests</a:t>
             </a:r>
           </a:p>
           <a:p>
             <a:pPr lvl="1"/>
             <a:r>
-              <a:rPr lang="en-US" sz="1400" dirty="0" smtClean="0"/>
+              <a:rPr lang="en-US" sz="1400" dirty="0"/>
               <a:t>Cloud-aware patterns (zones, circuit breakers, etc.)</a:t>
             </a:r>
           </a:p>
           <a:p>
             <a:pPr lvl="1"/>
             <a:r>
-              <a:rPr lang="en-US" sz="1400" dirty="0" smtClean="0"/>
+              <a:rPr lang="en-US" sz="1400" dirty="0"/>
               <a:t>No additional setup, just deploy apps</a:t>
             </a:r>
             <a:endParaRPr lang="en-US" sz="1800" dirty="0"/>
           </a:p>
           <a:p>
-            <a:endParaRPr lang="is-IS" sz="1800" dirty="0" smtClean="0"/>
-          </a:p>
-          <a:p>
-            <a:r>
-              <a:rPr lang="is-IS" sz="1800" b="1" dirty="0" smtClean="0"/>
-              <a:t>Zuul is JVM-based router and proxy commonly paired with Ribbon to create API gateways and reverse proxies</a:t>
+            <a:endParaRPr lang="is-IS" sz="1800" dirty="0"/>
+          </a:p>
+          <a:p>
+            <a:r>
+              <a:rPr lang="is-IS" sz="1800" b="1" dirty="0"/>
+              <a:t>Spring Cloud Gateway is a reactive JVM-based router and proxy commonly paired with Ribbon to create API gateways and reverse proxies</a:t>
             </a:r>
           </a:p>
         </p:txBody>
@@ -14369,13 +12372,6 @@
   <p:clrMapOvr>
     <a:masterClrMapping/>
   </p:clrMapOvr>
-  <p:timing>
-    <p:tnLst>
-      <p:par>
-        <p:cTn xmlns:p14="http://schemas.microsoft.com/office/powerpoint/2010/main" id="1" dur="indefinite" restart="never" nodeType="tmRoot"/>
-      </p:par>
-    </p:tnLst>
-  </p:timing>
 </p:sld>
 </file>
 
@@ -14412,10 +12408,9 @@
           <a:lstStyle/>
           <a:p>
             <a:r>
-              <a:rPr lang="en-US" dirty="0" smtClean="0"/>
+              <a:rPr lang="en-US" dirty="0"/>
               <a:t>Microservice API Gateways</a:t>
             </a:r>
-            <a:endParaRPr lang="en-US" dirty="0"/>
           </a:p>
         </p:txBody>
       </p:sp>
@@ -14455,7 +12450,7 @@
         </p:nvSpPr>
         <p:spPr>
           <a:xfrm>
-            <a:off x="457200" y="1108074"/>
+            <a:off x="457199" y="883956"/>
             <a:ext cx="8229600" cy="3082925"/>
           </a:xfrm>
         </p:spPr>
@@ -14467,53 +12462,38 @@
               <a:buNone/>
             </a:pPr>
             <a:r>
-              <a:rPr lang="en-US" sz="1800" dirty="0" smtClean="0">
+              <a:rPr lang="en-US" sz="1800" dirty="0">
                 <a:solidFill>
                   <a:srgbClr val="FFFFFF"/>
                 </a:solidFill>
               </a:rPr>
-              <a:t>Netflix uses Zuul</a:t>
-            </a:r>
+              <a:t>Gateways provide a common point</a:t>
+            </a:r>
+          </a:p>
+          <a:p>
+            <a:pPr marL="0" indent="0">
+              <a:buNone/>
+            </a:pPr>
             <a:r>
               <a:rPr lang="en-US" sz="1800" dirty="0">
                 <a:solidFill>
                   <a:srgbClr val="FFFFFF"/>
                 </a:solidFill>
               </a:rPr>
-              <a:t> </a:t>
-            </a:r>
-            <a:r>
-              <a:rPr lang="en-US" sz="1800" dirty="0" smtClean="0">
-                <a:solidFill>
-                  <a:srgbClr val="FFFFFF"/>
-                </a:solidFill>
-              </a:rPr>
-              <a:t>and Ribbon for</a:t>
-            </a:r>
-            <a:endParaRPr lang="en-US" sz="1800" dirty="0" smtClean="0">
-              <a:solidFill>
-                <a:srgbClr val="FFFFFF"/>
-              </a:solidFill>
-              <a:hlinkClick r:id="rId4"/>
-            </a:endParaRPr>
+              <a:t>for implementing </a:t>
+            </a:r>
+          </a:p>
+          <a:p>
+            <a:r>
+              <a:rPr lang="en-US" sz="1800" dirty="0"/>
+              <a:t>Authentication</a:t>
+            </a:r>
           </a:p>
           <a:p>
             <a:pPr lvl="0"/>
             <a:r>
-              <a:rPr lang="en-US" sz="1800" dirty="0" smtClean="0"/>
-              <a:t>Authentication</a:t>
-            </a:r>
-            <a:endParaRPr lang="en-US" sz="1800" dirty="0"/>
-          </a:p>
-          <a:p>
-            <a:pPr lvl="0"/>
-            <a:r>
-              <a:rPr lang="en-US" sz="1800" dirty="0" smtClean="0"/>
-              <a:t>Stress </a:t>
-            </a:r>
-            <a:r>
               <a:rPr lang="en-US" sz="1800" dirty="0"/>
-              <a:t>Testing</a:t>
+              <a:t>Stress Testing</a:t>
             </a:r>
           </a:p>
           <a:p>
@@ -14562,13 +12542,8 @@
             <a:pPr lvl="0"/>
             <a:r>
               <a:rPr lang="en-US" sz="1800" dirty="0"/>
-              <a:t>Active/Active </a:t>
-            </a:r>
-            <a:r>
-              <a:rPr lang="en-US" sz="1800" dirty="0" smtClean="0"/>
-              <a:t>management</a:t>
-            </a:r>
-            <a:endParaRPr lang="en-US" sz="1800" dirty="0"/>
+              <a:t>Active/Active management</a:t>
+            </a:r>
           </a:p>
         </p:txBody>
       </p:sp>
@@ -14582,13 +12557,6 @@
   <p:clrMapOvr>
     <a:masterClrMapping/>
   </p:clrMapOvr>
-  <p:timing>
-    <p:tnLst>
-      <p:par>
-        <p:cTn xmlns:p14="http://schemas.microsoft.com/office/powerpoint/2010/main" id="1" dur="indefinite" restart="never" nodeType="tmRoot"/>
-      </p:par>
-    </p:tnLst>
-  </p:timing>
 </p:sld>
 </file>
 
